--- a/fordcs-docs/EDUp FORDCS-V1.0 Project-v2022.04/EDUp FORDCS V1.0 Full-Stack-Development-Method - ROADMAP.pptx
+++ b/fordcs-docs/EDUp FORDCS-V1.0 Project-v2022.04/EDUp FORDCS V1.0 Full-Stack-Development-Method - ROADMAP.pptx
@@ -198,7 +198,7 @@
           <a:p>
             <a:fld id="{3B8C5D5C-E8D3-40EE-B7BE-27BF88BF13F0}" type="datetimeFigureOut">
               <a:rPr lang="en-US" smtClean="0"/>
-              <a:t>5/4/2022</a:t>
+              <a:t>5/18/2022</a:t>
             </a:fld>
             <a:endParaRPr lang="en-US"/>
           </a:p>
@@ -696,7 +696,7 @@
           <a:p>
             <a:fld id="{44545C9C-B697-4804-AB64-643E534EC228}" type="datetimeFigureOut">
               <a:rPr lang="en-US" smtClean="0"/>
-              <a:t>5/4/2022</a:t>
+              <a:t>5/18/2022</a:t>
             </a:fld>
             <a:endParaRPr lang="en-US"/>
           </a:p>
@@ -894,7 +894,7 @@
           <a:p>
             <a:fld id="{44545C9C-B697-4804-AB64-643E534EC228}" type="datetimeFigureOut">
               <a:rPr lang="en-US" smtClean="0"/>
-              <a:t>5/4/2022</a:t>
+              <a:t>5/18/2022</a:t>
             </a:fld>
             <a:endParaRPr lang="en-US"/>
           </a:p>
@@ -1102,7 +1102,7 @@
           <a:p>
             <a:fld id="{44545C9C-B697-4804-AB64-643E534EC228}" type="datetimeFigureOut">
               <a:rPr lang="en-US" smtClean="0"/>
-              <a:t>5/4/2022</a:t>
+              <a:t>5/18/2022</a:t>
             </a:fld>
             <a:endParaRPr lang="en-US"/>
           </a:p>
@@ -1300,7 +1300,7 @@
           <a:p>
             <a:fld id="{44545C9C-B697-4804-AB64-643E534EC228}" type="datetimeFigureOut">
               <a:rPr lang="en-US" smtClean="0"/>
-              <a:t>5/4/2022</a:t>
+              <a:t>5/18/2022</a:t>
             </a:fld>
             <a:endParaRPr lang="en-US"/>
           </a:p>
@@ -1575,7 +1575,7 @@
           <a:p>
             <a:fld id="{44545C9C-B697-4804-AB64-643E534EC228}" type="datetimeFigureOut">
               <a:rPr lang="en-US" smtClean="0"/>
-              <a:t>5/4/2022</a:t>
+              <a:t>5/18/2022</a:t>
             </a:fld>
             <a:endParaRPr lang="en-US"/>
           </a:p>
@@ -1840,7 +1840,7 @@
           <a:p>
             <a:fld id="{44545C9C-B697-4804-AB64-643E534EC228}" type="datetimeFigureOut">
               <a:rPr lang="en-US" smtClean="0"/>
-              <a:t>5/4/2022</a:t>
+              <a:t>5/18/2022</a:t>
             </a:fld>
             <a:endParaRPr lang="en-US"/>
           </a:p>
@@ -2252,7 +2252,7 @@
           <a:p>
             <a:fld id="{44545C9C-B697-4804-AB64-643E534EC228}" type="datetimeFigureOut">
               <a:rPr lang="en-US" smtClean="0"/>
-              <a:t>5/4/2022</a:t>
+              <a:t>5/18/2022</a:t>
             </a:fld>
             <a:endParaRPr lang="en-US"/>
           </a:p>
@@ -2393,7 +2393,7 @@
           <a:p>
             <a:fld id="{44545C9C-B697-4804-AB64-643E534EC228}" type="datetimeFigureOut">
               <a:rPr lang="en-US" smtClean="0"/>
-              <a:t>5/4/2022</a:t>
+              <a:t>5/18/2022</a:t>
             </a:fld>
             <a:endParaRPr lang="en-US"/>
           </a:p>
@@ -2506,7 +2506,7 @@
           <a:p>
             <a:fld id="{44545C9C-B697-4804-AB64-643E534EC228}" type="datetimeFigureOut">
               <a:rPr lang="en-US" smtClean="0"/>
-              <a:t>5/4/2022</a:t>
+              <a:t>5/18/2022</a:t>
             </a:fld>
             <a:endParaRPr lang="en-US"/>
           </a:p>
@@ -2817,7 +2817,7 @@
           <a:p>
             <a:fld id="{44545C9C-B697-4804-AB64-643E534EC228}" type="datetimeFigureOut">
               <a:rPr lang="en-US" smtClean="0"/>
-              <a:t>5/4/2022</a:t>
+              <a:t>5/18/2022</a:t>
             </a:fld>
             <a:endParaRPr lang="en-US"/>
           </a:p>
@@ -3105,7 +3105,7 @@
           <a:p>
             <a:fld id="{44545C9C-B697-4804-AB64-643E534EC228}" type="datetimeFigureOut">
               <a:rPr lang="en-US" smtClean="0"/>
-              <a:t>5/4/2022</a:t>
+              <a:t>5/18/2022</a:t>
             </a:fld>
             <a:endParaRPr lang="en-US"/>
           </a:p>
@@ -3346,7 +3346,7 @@
           <a:p>
             <a:fld id="{44545C9C-B697-4804-AB64-643E534EC228}" type="datetimeFigureOut">
               <a:rPr lang="en-US" smtClean="0"/>
-              <a:t>5/4/2022</a:t>
+              <a:t>5/18/2022</a:t>
             </a:fld>
             <a:endParaRPr lang="en-US"/>
           </a:p>
@@ -3920,28 +3920,20 @@
         <p:spPr/>
         <p:txBody>
           <a:bodyPr>
-            <a:normAutofit fontScale="90000"/>
+            <a:normAutofit/>
           </a:bodyPr>
           <a:lstStyle/>
           <a:p>
             <a:r>
               <a:rPr lang="en-US" dirty="0"/>
-              <a:t>Full-Stack Software Project Development Method (</a:t>
-            </a:r>
-            <a:r>
-              <a:rPr lang="en-US" dirty="0" err="1"/>
-              <a:t>SwPD</a:t>
-            </a:r>
-            <a:r>
-              <a:rPr lang="en-US" dirty="0"/>
-              <a:t>)</a:t>
+              <a:t>FORDCS V1.0 Lifecycle</a:t>
             </a:r>
             <a:br>
               <a:rPr lang="en-US" dirty="0"/>
             </a:br>
             <a:r>
               <a:rPr lang="en-US" dirty="0"/>
-              <a:t>FORDCS V1.0 Checklist</a:t>
+              <a:t>ROADMAP</a:t>
             </a:r>
           </a:p>
         </p:txBody>
@@ -3966,6 +3958,24 @@
         <p:txBody>
           <a:bodyPr/>
           <a:lstStyle/>
+          <a:p>
+            <a:r>
+              <a:rPr lang="en-US" dirty="0"/>
+              <a:t>Full-Stack Software Project Development Method (</a:t>
+            </a:r>
+            <a:r>
+              <a:rPr lang="en-US" dirty="0" err="1"/>
+              <a:t>SwPDM</a:t>
+            </a:r>
+            <a:r>
+              <a:rPr lang="en-US" dirty="0"/>
+              <a:t>)</a:t>
+            </a:r>
+            <a:br>
+              <a:rPr lang="en-US" dirty="0"/>
+            </a:br>
+            <a:endParaRPr lang="en-US" dirty="0"/>
+          </a:p>
           <a:p>
             <a:r>
               <a:rPr lang="en-US" dirty="0"/>
@@ -5830,7 +5840,7 @@
         </p:spPr>
         <p:txBody>
           <a:bodyPr>
-            <a:normAutofit/>
+            <a:normAutofit fontScale="90000"/>
           </a:bodyPr>
           <a:lstStyle/>
           <a:p>
@@ -5842,10 +5852,14 @@
               <a:rPr lang="en-US" dirty="0" err="1"/>
               <a:t>SwPD</a:t>
             </a:r>
-            <a:r>
-              <a:rPr lang="en-US" dirty="0"/>
-              <a:t> Checklist</a:t>
-            </a:r>
+            <a:br>
+              <a:rPr lang="en-US"/>
+            </a:br>
+            <a:r>
+              <a:rPr lang="en-US"/>
+              <a:t>Lifecycle Status</a:t>
+            </a:r>
+            <a:endParaRPr lang="en-US" dirty="0"/>
           </a:p>
         </p:txBody>
       </p:sp>
@@ -6019,7 +6033,7 @@
           <a:p>
             <a:r>
               <a:rPr lang="en-US" b="1" dirty="0"/>
-              <a:t>Planning</a:t>
+              <a:t>Planning (DOC)</a:t>
             </a:r>
           </a:p>
         </p:txBody>
@@ -6054,7 +6068,7 @@
           <a:p>
             <a:r>
               <a:rPr lang="en-US" b="1" dirty="0"/>
-              <a:t>Development</a:t>
+              <a:t>Development (DOC)</a:t>
             </a:r>
           </a:p>
         </p:txBody>
@@ -6481,7 +6495,7 @@
           <a:p>
             <a:r>
               <a:rPr lang="en-US" b="1" dirty="0"/>
-              <a:t>Delivery</a:t>
+              <a:t>Delivery (DOC)</a:t>
             </a:r>
           </a:p>
         </p:txBody>
@@ -7189,13 +7203,13 @@
           <p:nvPr/>
         </p:nvPicPr>
         <p:blipFill>
-          <a:blip r:embed="rId15">
+          <a:blip r:embed="rId13">
             <a:extLst>
               <a:ext uri="{28A0092B-C50C-407E-A947-70E740481C1C}">
                 <a14:useLocalDpi xmlns:a14="http://schemas.microsoft.com/office/drawing/2010/main" val="0"/>
               </a:ext>
               <a:ext uri="{96DAC541-7B7A-43D3-8B79-37D633B846F1}">
-                <asvg:svgBlip xmlns:asvg="http://schemas.microsoft.com/office/drawing/2016/SVG/main" r:embed="rId16"/>
+                <asvg:svgBlip xmlns:asvg="http://schemas.microsoft.com/office/drawing/2016/SVG/main" r:embed="rId14"/>
               </a:ext>
             </a:extLst>
           </a:blip>
@@ -7228,13 +7242,13 @@
           <p:nvPr/>
         </p:nvPicPr>
         <p:blipFill>
-          <a:blip r:embed="rId15">
+          <a:blip r:embed="rId13">
             <a:extLst>
               <a:ext uri="{28A0092B-C50C-407E-A947-70E740481C1C}">
                 <a14:useLocalDpi xmlns:a14="http://schemas.microsoft.com/office/drawing/2010/main" val="0"/>
               </a:ext>
               <a:ext uri="{96DAC541-7B7A-43D3-8B79-37D633B846F1}">
-                <asvg:svgBlip xmlns:asvg="http://schemas.microsoft.com/office/drawing/2016/SVG/main" r:embed="rId16"/>
+                <asvg:svgBlip xmlns:asvg="http://schemas.microsoft.com/office/drawing/2016/SVG/main" r:embed="rId14"/>
               </a:ext>
             </a:extLst>
           </a:blip>
@@ -7267,13 +7281,13 @@
           <p:nvPr/>
         </p:nvPicPr>
         <p:blipFill>
-          <a:blip r:embed="rId17">
+          <a:blip r:embed="rId15">
             <a:extLst>
               <a:ext uri="{28A0092B-C50C-407E-A947-70E740481C1C}">
                 <a14:useLocalDpi xmlns:a14="http://schemas.microsoft.com/office/drawing/2010/main" val="0"/>
               </a:ext>
               <a:ext uri="{96DAC541-7B7A-43D3-8B79-37D633B846F1}">
-                <asvg:svgBlip xmlns:asvg="http://schemas.microsoft.com/office/drawing/2016/SVG/main" r:embed="rId18"/>
+                <asvg:svgBlip xmlns:asvg="http://schemas.microsoft.com/office/drawing/2016/SVG/main" r:embed="rId16"/>
               </a:ext>
             </a:extLst>
           </a:blip>
@@ -7306,13 +7320,13 @@
           <p:nvPr/>
         </p:nvPicPr>
         <p:blipFill>
-          <a:blip r:embed="rId15">
+          <a:blip r:embed="rId13">
             <a:extLst>
               <a:ext uri="{28A0092B-C50C-407E-A947-70E740481C1C}">
                 <a14:useLocalDpi xmlns:a14="http://schemas.microsoft.com/office/drawing/2010/main" val="0"/>
               </a:ext>
               <a:ext uri="{96DAC541-7B7A-43D3-8B79-37D633B846F1}">
-                <asvg:svgBlip xmlns:asvg="http://schemas.microsoft.com/office/drawing/2016/SVG/main" r:embed="rId16"/>
+                <asvg:svgBlip xmlns:asvg="http://schemas.microsoft.com/office/drawing/2016/SVG/main" r:embed="rId14"/>
               </a:ext>
             </a:extLst>
           </a:blip>
@@ -7423,13 +7437,13 @@
           <p:nvPr/>
         </p:nvPicPr>
         <p:blipFill>
-          <a:blip r:embed="rId15">
+          <a:blip r:embed="rId13">
             <a:extLst>
               <a:ext uri="{28A0092B-C50C-407E-A947-70E740481C1C}">
                 <a14:useLocalDpi xmlns:a14="http://schemas.microsoft.com/office/drawing/2010/main" val="0"/>
               </a:ext>
               <a:ext uri="{96DAC541-7B7A-43D3-8B79-37D633B846F1}">
-                <asvg:svgBlip xmlns:asvg="http://schemas.microsoft.com/office/drawing/2016/SVG/main" r:embed="rId16"/>
+                <asvg:svgBlip xmlns:asvg="http://schemas.microsoft.com/office/drawing/2016/SVG/main" r:embed="rId14"/>
               </a:ext>
             </a:extLst>
           </a:blip>
@@ -7501,13 +7515,13 @@
           <p:nvPr/>
         </p:nvPicPr>
         <p:blipFill>
-          <a:blip r:embed="rId15">
+          <a:blip r:embed="rId17">
             <a:extLst>
               <a:ext uri="{28A0092B-C50C-407E-A947-70E740481C1C}">
                 <a14:useLocalDpi xmlns:a14="http://schemas.microsoft.com/office/drawing/2010/main" val="0"/>
               </a:ext>
               <a:ext uri="{96DAC541-7B7A-43D3-8B79-37D633B846F1}">
-                <asvg:svgBlip xmlns:asvg="http://schemas.microsoft.com/office/drawing/2016/SVG/main" r:embed="rId16"/>
+                <asvg:svgBlip xmlns:asvg="http://schemas.microsoft.com/office/drawing/2016/SVG/main" r:embed="rId18"/>
               </a:ext>
             </a:extLst>
           </a:blip>
@@ -7540,13 +7554,13 @@
           <p:nvPr/>
         </p:nvPicPr>
         <p:blipFill>
-          <a:blip r:embed="rId15">
+          <a:blip r:embed="rId17">
             <a:extLst>
               <a:ext uri="{28A0092B-C50C-407E-A947-70E740481C1C}">
                 <a14:useLocalDpi xmlns:a14="http://schemas.microsoft.com/office/drawing/2010/main" val="0"/>
               </a:ext>
               <a:ext uri="{96DAC541-7B7A-43D3-8B79-37D633B846F1}">
-                <asvg:svgBlip xmlns:asvg="http://schemas.microsoft.com/office/drawing/2016/SVG/main" r:embed="rId16"/>
+                <asvg:svgBlip xmlns:asvg="http://schemas.microsoft.com/office/drawing/2016/SVG/main" r:embed="rId18"/>
               </a:ext>
             </a:extLst>
           </a:blip>
@@ -7579,13 +7593,13 @@
           <p:nvPr/>
         </p:nvPicPr>
         <p:blipFill>
-          <a:blip r:embed="rId15">
+          <a:blip r:embed="rId17">
             <a:extLst>
               <a:ext uri="{28A0092B-C50C-407E-A947-70E740481C1C}">
                 <a14:useLocalDpi xmlns:a14="http://schemas.microsoft.com/office/drawing/2010/main" val="0"/>
               </a:ext>
               <a:ext uri="{96DAC541-7B7A-43D3-8B79-37D633B846F1}">
-                <asvg:svgBlip xmlns:asvg="http://schemas.microsoft.com/office/drawing/2016/SVG/main" r:embed="rId16"/>
+                <asvg:svgBlip xmlns:asvg="http://schemas.microsoft.com/office/drawing/2016/SVG/main" r:embed="rId18"/>
               </a:ext>
             </a:extLst>
           </a:blip>
@@ -7657,13 +7671,13 @@
           <p:nvPr/>
         </p:nvPicPr>
         <p:blipFill>
-          <a:blip r:embed="rId15">
+          <a:blip r:embed="rId17">
             <a:extLst>
               <a:ext uri="{28A0092B-C50C-407E-A947-70E740481C1C}">
                 <a14:useLocalDpi xmlns:a14="http://schemas.microsoft.com/office/drawing/2010/main" val="0"/>
               </a:ext>
               <a:ext uri="{96DAC541-7B7A-43D3-8B79-37D633B846F1}">
-                <asvg:svgBlip xmlns:asvg="http://schemas.microsoft.com/office/drawing/2016/SVG/main" r:embed="rId16"/>
+                <asvg:svgBlip xmlns:asvg="http://schemas.microsoft.com/office/drawing/2016/SVG/main" r:embed="rId18"/>
               </a:ext>
             </a:extLst>
           </a:blip>
@@ -7696,13 +7710,13 @@
           <p:nvPr/>
         </p:nvPicPr>
         <p:blipFill>
-          <a:blip r:embed="rId15">
+          <a:blip r:embed="rId17">
             <a:extLst>
               <a:ext uri="{28A0092B-C50C-407E-A947-70E740481C1C}">
                 <a14:useLocalDpi xmlns:a14="http://schemas.microsoft.com/office/drawing/2010/main" val="0"/>
               </a:ext>
               <a:ext uri="{96DAC541-7B7A-43D3-8B79-37D633B846F1}">
-                <asvg:svgBlip xmlns:asvg="http://schemas.microsoft.com/office/drawing/2016/SVG/main" r:embed="rId16"/>
+                <asvg:svgBlip xmlns:asvg="http://schemas.microsoft.com/office/drawing/2016/SVG/main" r:embed="rId18"/>
               </a:ext>
             </a:extLst>
           </a:blip>
@@ -7735,13 +7749,13 @@
           <p:nvPr/>
         </p:nvPicPr>
         <p:blipFill>
-          <a:blip r:embed="rId15">
+          <a:blip r:embed="rId17">
             <a:extLst>
               <a:ext uri="{28A0092B-C50C-407E-A947-70E740481C1C}">
                 <a14:useLocalDpi xmlns:a14="http://schemas.microsoft.com/office/drawing/2010/main" val="0"/>
               </a:ext>
               <a:ext uri="{96DAC541-7B7A-43D3-8B79-37D633B846F1}">
-                <asvg:svgBlip xmlns:asvg="http://schemas.microsoft.com/office/drawing/2016/SVG/main" r:embed="rId16"/>
+                <asvg:svgBlip xmlns:asvg="http://schemas.microsoft.com/office/drawing/2016/SVG/main" r:embed="rId18"/>
               </a:ext>
             </a:extLst>
           </a:blip>
@@ -7774,13 +7788,13 @@
           <p:nvPr/>
         </p:nvPicPr>
         <p:blipFill>
-          <a:blip r:embed="rId15">
+          <a:blip r:embed="rId17">
             <a:extLst>
               <a:ext uri="{28A0092B-C50C-407E-A947-70E740481C1C}">
                 <a14:useLocalDpi xmlns:a14="http://schemas.microsoft.com/office/drawing/2010/main" val="0"/>
               </a:ext>
               <a:ext uri="{96DAC541-7B7A-43D3-8B79-37D633B846F1}">
-                <asvg:svgBlip xmlns:asvg="http://schemas.microsoft.com/office/drawing/2016/SVG/main" r:embed="rId16"/>
+                <asvg:svgBlip xmlns:asvg="http://schemas.microsoft.com/office/drawing/2016/SVG/main" r:embed="rId18"/>
               </a:ext>
             </a:extLst>
           </a:blip>
@@ -7813,13 +7827,13 @@
           <p:nvPr/>
         </p:nvPicPr>
         <p:blipFill>
-          <a:blip r:embed="rId15">
+          <a:blip r:embed="rId17">
             <a:extLst>
               <a:ext uri="{28A0092B-C50C-407E-A947-70E740481C1C}">
                 <a14:useLocalDpi xmlns:a14="http://schemas.microsoft.com/office/drawing/2010/main" val="0"/>
               </a:ext>
               <a:ext uri="{96DAC541-7B7A-43D3-8B79-37D633B846F1}">
-                <asvg:svgBlip xmlns:asvg="http://schemas.microsoft.com/office/drawing/2016/SVG/main" r:embed="rId16"/>
+                <asvg:svgBlip xmlns:asvg="http://schemas.microsoft.com/office/drawing/2016/SVG/main" r:embed="rId18"/>
               </a:ext>
             </a:extLst>
           </a:blip>
@@ -7852,13 +7866,13 @@
           <p:nvPr/>
         </p:nvPicPr>
         <p:blipFill>
-          <a:blip r:embed="rId15">
+          <a:blip r:embed="rId17">
             <a:extLst>
               <a:ext uri="{28A0092B-C50C-407E-A947-70E740481C1C}">
                 <a14:useLocalDpi xmlns:a14="http://schemas.microsoft.com/office/drawing/2010/main" val="0"/>
               </a:ext>
               <a:ext uri="{96DAC541-7B7A-43D3-8B79-37D633B846F1}">
-                <asvg:svgBlip xmlns:asvg="http://schemas.microsoft.com/office/drawing/2016/SVG/main" r:embed="rId16"/>
+                <asvg:svgBlip xmlns:asvg="http://schemas.microsoft.com/office/drawing/2016/SVG/main" r:embed="rId18"/>
               </a:ext>
             </a:extLst>
           </a:blip>
@@ -7891,13 +7905,13 @@
           <p:nvPr/>
         </p:nvPicPr>
         <p:blipFill>
-          <a:blip r:embed="rId15">
+          <a:blip r:embed="rId17">
             <a:extLst>
               <a:ext uri="{28A0092B-C50C-407E-A947-70E740481C1C}">
                 <a14:useLocalDpi xmlns:a14="http://schemas.microsoft.com/office/drawing/2010/main" val="0"/>
               </a:ext>
               <a:ext uri="{96DAC541-7B7A-43D3-8B79-37D633B846F1}">
-                <asvg:svgBlip xmlns:asvg="http://schemas.microsoft.com/office/drawing/2016/SVG/main" r:embed="rId16"/>
+                <asvg:svgBlip xmlns:asvg="http://schemas.microsoft.com/office/drawing/2016/SVG/main" r:embed="rId18"/>
               </a:ext>
             </a:extLst>
           </a:blip>
@@ -7930,13 +7944,13 @@
           <p:nvPr/>
         </p:nvPicPr>
         <p:blipFill>
-          <a:blip r:embed="rId15">
+          <a:blip r:embed="rId17">
             <a:extLst>
               <a:ext uri="{28A0092B-C50C-407E-A947-70E740481C1C}">
                 <a14:useLocalDpi xmlns:a14="http://schemas.microsoft.com/office/drawing/2010/main" val="0"/>
               </a:ext>
               <a:ext uri="{96DAC541-7B7A-43D3-8B79-37D633B846F1}">
-                <asvg:svgBlip xmlns:asvg="http://schemas.microsoft.com/office/drawing/2016/SVG/main" r:embed="rId16"/>
+                <asvg:svgBlip xmlns:asvg="http://schemas.microsoft.com/office/drawing/2016/SVG/main" r:embed="rId18"/>
               </a:ext>
             </a:extLst>
           </a:blip>
@@ -7969,13 +7983,13 @@
           <p:nvPr/>
         </p:nvPicPr>
         <p:blipFill>
-          <a:blip r:embed="rId15">
+          <a:blip r:embed="rId17">
             <a:extLst>
               <a:ext uri="{28A0092B-C50C-407E-A947-70E740481C1C}">
                 <a14:useLocalDpi xmlns:a14="http://schemas.microsoft.com/office/drawing/2010/main" val="0"/>
               </a:ext>
               <a:ext uri="{96DAC541-7B7A-43D3-8B79-37D633B846F1}">
-                <asvg:svgBlip xmlns:asvg="http://schemas.microsoft.com/office/drawing/2016/SVG/main" r:embed="rId16"/>
+                <asvg:svgBlip xmlns:asvg="http://schemas.microsoft.com/office/drawing/2016/SVG/main" r:embed="rId18"/>
               </a:ext>
             </a:extLst>
           </a:blip>
@@ -8008,13 +8022,13 @@
           <p:nvPr/>
         </p:nvPicPr>
         <p:blipFill>
-          <a:blip r:embed="rId15">
+          <a:blip r:embed="rId17">
             <a:extLst>
               <a:ext uri="{28A0092B-C50C-407E-A947-70E740481C1C}">
                 <a14:useLocalDpi xmlns:a14="http://schemas.microsoft.com/office/drawing/2010/main" val="0"/>
               </a:ext>
               <a:ext uri="{96DAC541-7B7A-43D3-8B79-37D633B846F1}">
-                <asvg:svgBlip xmlns:asvg="http://schemas.microsoft.com/office/drawing/2016/SVG/main" r:embed="rId16"/>
+                <asvg:svgBlip xmlns:asvg="http://schemas.microsoft.com/office/drawing/2016/SVG/main" r:embed="rId18"/>
               </a:ext>
             </a:extLst>
           </a:blip>
@@ -8132,8 +8146,8 @@
         </p:nvSpPr>
         <p:spPr>
           <a:xfrm>
-            <a:off x="8332595" y="223599"/>
-            <a:ext cx="944489" cy="369332"/>
+            <a:off x="8242852" y="127330"/>
+            <a:ext cx="1266155" cy="369332"/>
           </a:xfrm>
           <a:prstGeom prst="rect">
             <a:avLst/>
@@ -8141,7 +8155,7 @@
           <a:noFill/>
         </p:spPr>
         <p:txBody>
-          <a:bodyPr wrap="none" rtlCol="0">
+          <a:bodyPr wrap="square" rtlCol="0">
             <a:spAutoFit/>
           </a:bodyPr>
           <a:lstStyle/>
@@ -8165,7 +8179,7 @@
                   </a:schemeClr>
                 </a:solidFill>
               </a:rPr>
-              <a:t>done</a:t>
+              <a:t>process</a:t>
             </a:r>
           </a:p>
         </p:txBody>
@@ -8220,13 +8234,13 @@
           <p:nvPr/>
         </p:nvPicPr>
         <p:blipFill>
-          <a:blip r:embed="rId17">
+          <a:blip r:embed="rId15">
             <a:extLst>
               <a:ext uri="{28A0092B-C50C-407E-A947-70E740481C1C}">
                 <a14:useLocalDpi xmlns:a14="http://schemas.microsoft.com/office/drawing/2010/main" val="0"/>
               </a:ext>
               <a:ext uri="{96DAC541-7B7A-43D3-8B79-37D633B846F1}">
-                <asvg:svgBlip xmlns:asvg="http://schemas.microsoft.com/office/drawing/2016/SVG/main" r:embed="rId18"/>
+                <asvg:svgBlip xmlns:asvg="http://schemas.microsoft.com/office/drawing/2016/SVG/main" r:embed="rId16"/>
               </a:ext>
             </a:extLst>
           </a:blip>
@@ -8244,6 +8258,51 @@
           </a:prstGeom>
         </p:spPr>
       </p:pic>
+      <p:sp>
+        <p:nvSpPr>
+          <p:cNvPr id="63" name="TextBox 62">
+            <a:extLst>
+              <a:ext uri="{FF2B5EF4-FFF2-40B4-BE49-F238E27FC236}">
+                <a16:creationId xmlns:a16="http://schemas.microsoft.com/office/drawing/2014/main" id="{C8197967-7D87-4F78-94BB-8D5BDE535795}"/>
+              </a:ext>
+            </a:extLst>
+          </p:cNvPr>
+          <p:cNvSpPr txBox="1"/>
+          <p:nvPr/>
+        </p:nvSpPr>
+        <p:spPr>
+          <a:xfrm>
+            <a:off x="9532309" y="6320595"/>
+            <a:ext cx="2401792" cy="523220"/>
+          </a:xfrm>
+          <a:prstGeom prst="rect">
+            <a:avLst/>
+          </a:prstGeom>
+          <a:noFill/>
+        </p:spPr>
+        <p:txBody>
+          <a:bodyPr wrap="square">
+            <a:spAutoFit/>
+          </a:bodyPr>
+          <a:lstStyle/>
+          <a:p>
+            <a:r>
+              <a:rPr lang="en-US" sz="1400" i="1" dirty="0"/>
+              <a:t>Abbr.</a:t>
+            </a:r>
+          </a:p>
+          <a:p>
+            <a:pPr marL="285750" indent="-285750">
+              <a:buFont typeface="Arial" panose="020B0604020202020204" pitchFamily="34" charset="0"/>
+              <a:buChar char="•"/>
+            </a:pPr>
+            <a:r>
+              <a:rPr lang="en-US" sz="1400" i="1" dirty="0"/>
+              <a:t>DOC … documentation</a:t>
+            </a:r>
+          </a:p>
+        </p:txBody>
+      </p:sp>
     </p:spTree>
     <p:extLst>
       <p:ext uri="{BB962C8B-B14F-4D97-AF65-F5344CB8AC3E}">

--- a/fordcs-docs/EDUp FORDCS-V1.0 Project-v2022.04/EDUp FORDCS V1.0 Full-Stack-Development-Method - ROADMAP.pptx
+++ b/fordcs-docs/EDUp FORDCS-V1.0 Project-v2022.04/EDUp FORDCS V1.0 Full-Stack-Development-Method - ROADMAP.pptx
@@ -5,11 +5,12 @@
     <p:sldMasterId id="2147483678" r:id="rId1"/>
   </p:sldMasterIdLst>
   <p:notesMasterIdLst>
-    <p:notesMasterId r:id="rId4"/>
+    <p:notesMasterId r:id="rId5"/>
   </p:notesMasterIdLst>
   <p:sldIdLst>
     <p:sldId id="256" r:id="rId2"/>
     <p:sldId id="302" r:id="rId3"/>
+    <p:sldId id="303" r:id="rId4"/>
   </p:sldIdLst>
   <p:sldSz cx="12192000" cy="6858000"/>
   <p:notesSz cx="6858000" cy="9144000"/>
@@ -198,7 +199,7 @@
           <a:p>
             <a:fld id="{3B8C5D5C-E8D3-40EE-B7BE-27BF88BF13F0}" type="datetimeFigureOut">
               <a:rPr lang="en-US" smtClean="0"/>
-              <a:t>5/18/2022</a:t>
+              <a:t>7/8/2022</a:t>
             </a:fld>
             <a:endParaRPr lang="en-US"/>
           </a:p>
@@ -696,7 +697,7 @@
           <a:p>
             <a:fld id="{44545C9C-B697-4804-AB64-643E534EC228}" type="datetimeFigureOut">
               <a:rPr lang="en-US" smtClean="0"/>
-              <a:t>5/18/2022</a:t>
+              <a:t>7/8/2022</a:t>
             </a:fld>
             <a:endParaRPr lang="en-US"/>
           </a:p>
@@ -894,7 +895,7 @@
           <a:p>
             <a:fld id="{44545C9C-B697-4804-AB64-643E534EC228}" type="datetimeFigureOut">
               <a:rPr lang="en-US" smtClean="0"/>
-              <a:t>5/18/2022</a:t>
+              <a:t>7/8/2022</a:t>
             </a:fld>
             <a:endParaRPr lang="en-US"/>
           </a:p>
@@ -1102,7 +1103,7 @@
           <a:p>
             <a:fld id="{44545C9C-B697-4804-AB64-643E534EC228}" type="datetimeFigureOut">
               <a:rPr lang="en-US" smtClean="0"/>
-              <a:t>5/18/2022</a:t>
+              <a:t>7/8/2022</a:t>
             </a:fld>
             <a:endParaRPr lang="en-US"/>
           </a:p>
@@ -1300,7 +1301,7 @@
           <a:p>
             <a:fld id="{44545C9C-B697-4804-AB64-643E534EC228}" type="datetimeFigureOut">
               <a:rPr lang="en-US" smtClean="0"/>
-              <a:t>5/18/2022</a:t>
+              <a:t>7/8/2022</a:t>
             </a:fld>
             <a:endParaRPr lang="en-US"/>
           </a:p>
@@ -1575,7 +1576,7 @@
           <a:p>
             <a:fld id="{44545C9C-B697-4804-AB64-643E534EC228}" type="datetimeFigureOut">
               <a:rPr lang="en-US" smtClean="0"/>
-              <a:t>5/18/2022</a:t>
+              <a:t>7/8/2022</a:t>
             </a:fld>
             <a:endParaRPr lang="en-US"/>
           </a:p>
@@ -1840,7 +1841,7 @@
           <a:p>
             <a:fld id="{44545C9C-B697-4804-AB64-643E534EC228}" type="datetimeFigureOut">
               <a:rPr lang="en-US" smtClean="0"/>
-              <a:t>5/18/2022</a:t>
+              <a:t>7/8/2022</a:t>
             </a:fld>
             <a:endParaRPr lang="en-US"/>
           </a:p>
@@ -2252,7 +2253,7 @@
           <a:p>
             <a:fld id="{44545C9C-B697-4804-AB64-643E534EC228}" type="datetimeFigureOut">
               <a:rPr lang="en-US" smtClean="0"/>
-              <a:t>5/18/2022</a:t>
+              <a:t>7/8/2022</a:t>
             </a:fld>
             <a:endParaRPr lang="en-US"/>
           </a:p>
@@ -2393,7 +2394,7 @@
           <a:p>
             <a:fld id="{44545C9C-B697-4804-AB64-643E534EC228}" type="datetimeFigureOut">
               <a:rPr lang="en-US" smtClean="0"/>
-              <a:t>5/18/2022</a:t>
+              <a:t>7/8/2022</a:t>
             </a:fld>
             <a:endParaRPr lang="en-US"/>
           </a:p>
@@ -2506,7 +2507,7 @@
           <a:p>
             <a:fld id="{44545C9C-B697-4804-AB64-643E534EC228}" type="datetimeFigureOut">
               <a:rPr lang="en-US" smtClean="0"/>
-              <a:t>5/18/2022</a:t>
+              <a:t>7/8/2022</a:t>
             </a:fld>
             <a:endParaRPr lang="en-US"/>
           </a:p>
@@ -2817,7 +2818,7 @@
           <a:p>
             <a:fld id="{44545C9C-B697-4804-AB64-643E534EC228}" type="datetimeFigureOut">
               <a:rPr lang="en-US" smtClean="0"/>
-              <a:t>5/18/2022</a:t>
+              <a:t>7/8/2022</a:t>
             </a:fld>
             <a:endParaRPr lang="en-US"/>
           </a:p>
@@ -3105,7 +3106,7 @@
           <a:p>
             <a:fld id="{44545C9C-B697-4804-AB64-643E534EC228}" type="datetimeFigureOut">
               <a:rPr lang="en-US" smtClean="0"/>
-              <a:t>5/18/2022</a:t>
+              <a:t>7/8/2022</a:t>
             </a:fld>
             <a:endParaRPr lang="en-US"/>
           </a:p>
@@ -3346,7 +3347,7 @@
           <a:p>
             <a:fld id="{44545C9C-B697-4804-AB64-643E534EC228}" type="datetimeFigureOut">
               <a:rPr lang="en-US" smtClean="0"/>
-              <a:t>5/18/2022</a:t>
+              <a:t>7/8/2022</a:t>
             </a:fld>
             <a:endParaRPr lang="en-US"/>
           </a:p>
@@ -5852,14 +5853,17 @@
               <a:rPr lang="en-US" dirty="0" err="1"/>
               <a:t>SwPD</a:t>
             </a:r>
+            <a:r>
+              <a:rPr lang="en-US" dirty="0"/>
+              <a:t> Simplified</a:t>
+            </a:r>
             <a:br>
-              <a:rPr lang="en-US"/>
+              <a:rPr lang="en-US" dirty="0"/>
             </a:br>
             <a:r>
-              <a:rPr lang="en-US"/>
+              <a:rPr lang="en-US" dirty="0"/>
               <a:t>Lifecycle Status</a:t>
             </a:r>
-            <a:endParaRPr lang="en-US" dirty="0"/>
           </a:p>
         </p:txBody>
       </p:sp>
@@ -5882,7 +5886,7 @@
         <p:spPr>
           <a:xfrm>
             <a:off x="177781" y="3140328"/>
-            <a:ext cx="3539946" cy="3678523"/>
+            <a:ext cx="3539946" cy="2920503"/>
           </a:xfrm>
           <a:ln>
             <a:solidFill>
@@ -5900,7 +5904,7 @@
           <a:p>
             <a:r>
               <a:rPr lang="en-US" sz="1400" dirty="0"/>
-              <a:t>Define the Statement of Work / Describe project Purpose</a:t>
+              <a:t>#1 Define the Statement of Work / Describe Project Purpose</a:t>
             </a:r>
             <a:endParaRPr lang="en-US" sz="1400" b="1" dirty="0">
               <a:solidFill>
@@ -5913,7 +5917,7 @@
           <a:p>
             <a:r>
               <a:rPr lang="en-US" sz="1400" dirty="0"/>
-              <a:t>Describe Customer Requirements</a:t>
+              <a:t>#2 Describe Customer Requirements</a:t>
             </a:r>
             <a:endParaRPr lang="en-US" sz="1400" dirty="0">
               <a:solidFill>
@@ -5926,7 +5930,7 @@
           <a:p>
             <a:r>
               <a:rPr lang="en-US" sz="1400" dirty="0"/>
-              <a:t>Describe project Technical Scope </a:t>
+              <a:t>#3 Describe Project Technical Scope </a:t>
             </a:r>
             <a:endParaRPr lang="en-US" sz="1400" dirty="0">
               <a:solidFill>
@@ -5937,7 +5941,7 @@
           <a:p>
             <a:r>
               <a:rPr lang="en-US" sz="1400" dirty="0"/>
-              <a:t>Describe project Release Plan </a:t>
+              <a:t>#4 Describe Project Release Plan </a:t>
             </a:r>
             <a:endParaRPr lang="en-US" sz="1400" dirty="0">
               <a:solidFill>
@@ -5948,7 +5952,7 @@
           <a:p>
             <a:r>
               <a:rPr lang="en-US" sz="1400" dirty="0"/>
-              <a:t>Define project Artifacts </a:t>
+              <a:t>#5 Define Project Artifacts </a:t>
             </a:r>
             <a:endParaRPr lang="en-US" sz="1400" dirty="0">
               <a:solidFill>
@@ -5959,7 +5963,7 @@
           <a:p>
             <a:r>
               <a:rPr lang="en-US" sz="1400" dirty="0"/>
-              <a:t>Describe project Additional Considerations </a:t>
+              <a:t>#6 Describe Project Additional Considerations </a:t>
             </a:r>
             <a:endParaRPr lang="en-US" sz="1400" dirty="0">
               <a:solidFill>
@@ -5970,7 +5974,7 @@
           <a:p>
             <a:r>
               <a:rPr lang="en-US" sz="1400" dirty="0"/>
-              <a:t>Maintain project References </a:t>
+              <a:t>#7 Maintain Project References </a:t>
             </a:r>
             <a:endParaRPr lang="en-US" sz="1400" dirty="0">
               <a:solidFill>
@@ -5981,7 +5985,7 @@
           <a:p>
             <a:r>
               <a:rPr lang="en-US" sz="1400" dirty="0"/>
-              <a:t>Define and Describe Annex (if any)</a:t>
+              <a:t>#8 Define and Describe Annex (if any)</a:t>
             </a:r>
             <a:r>
               <a:rPr lang="en-US" sz="1400" dirty="0">
@@ -6031,9 +6035,10 @@
           </a:bodyPr>
           <a:lstStyle/>
           <a:p>
+            <a:pPr algn="ctr"/>
             <a:r>
               <a:rPr lang="en-US" b="1" dirty="0"/>
-              <a:t>Planning (DOC)</a:t>
+              <a:t>Planning </a:t>
             </a:r>
           </a:p>
         </p:txBody>
@@ -6066,9 +6071,10 @@
           </a:bodyPr>
           <a:lstStyle/>
           <a:p>
+            <a:pPr algn="ctr"/>
             <a:r>
               <a:rPr lang="en-US" b="1" dirty="0"/>
-              <a:t>Development (DOC)</a:t>
+              <a:t>Development </a:t>
             </a:r>
           </a:p>
         </p:txBody>
@@ -6261,9 +6267,9 @@
         <p:grpSpPr>
           <a:xfrm>
             <a:off x="3973673" y="2863330"/>
-            <a:ext cx="3717731" cy="3955521"/>
+            <a:ext cx="3717731" cy="3197501"/>
             <a:chOff x="3826902" y="2568147"/>
-            <a:chExt cx="4244653" cy="3955521"/>
+            <a:chExt cx="4244653" cy="3197501"/>
           </a:xfrm>
         </p:grpSpPr>
         <p:sp>
@@ -6281,7 +6287,7 @@
           <p:spPr>
             <a:xfrm>
               <a:off x="3826903" y="2845145"/>
-              <a:ext cx="4244652" cy="3678523"/>
+              <a:ext cx="4244652" cy="2920503"/>
             </a:xfrm>
             <a:prstGeom prst="rect">
               <a:avLst/>
@@ -6399,25 +6405,25 @@
             <a:p>
               <a:r>
                 <a:rPr lang="en-US" dirty="0"/>
-                <a:t>Define System Requirements</a:t>
+                <a:t>#1 Define System Requirements</a:t>
               </a:r>
             </a:p>
             <a:p>
               <a:r>
                 <a:rPr lang="en-US" dirty="0"/>
-                <a:t>Define System/Software Architecture</a:t>
+                <a:t>#2 Define System/Software Architecture</a:t>
               </a:r>
             </a:p>
             <a:p>
               <a:r>
                 <a:rPr lang="en-US" dirty="0"/>
-                <a:t>Implement &amp; Verify</a:t>
+                <a:t>#3 Implement &amp; Verify</a:t>
               </a:r>
             </a:p>
             <a:p>
               <a:r>
                 <a:rPr lang="en-US" dirty="0"/>
-                <a:t>Integrate &amp; Validate</a:t>
+                <a:t>#4 Integrate &amp; Validate</a:t>
               </a:r>
             </a:p>
           </p:txBody>
@@ -6493,9 +6499,10 @@
           </a:bodyPr>
           <a:lstStyle/>
           <a:p>
+            <a:pPr algn="ctr"/>
             <a:r>
               <a:rPr lang="en-US" b="1" dirty="0"/>
-              <a:t>Delivery (DOC)</a:t>
+              <a:t>Delivery </a:t>
             </a:r>
           </a:p>
         </p:txBody>
@@ -6515,9 +6522,9 @@
         <p:grpSpPr>
           <a:xfrm>
             <a:off x="7947348" y="2838042"/>
-            <a:ext cx="3717730" cy="2303583"/>
+            <a:ext cx="3717730" cy="3222789"/>
             <a:chOff x="8456125" y="2838042"/>
-            <a:chExt cx="3717730" cy="2303583"/>
+            <a:chExt cx="3717730" cy="3222789"/>
           </a:xfrm>
         </p:grpSpPr>
         <p:sp>
@@ -6535,7 +6542,7 @@
           <p:spPr>
             <a:xfrm>
               <a:off x="8456125" y="3115040"/>
-              <a:ext cx="3717730" cy="2026585"/>
+              <a:ext cx="3717730" cy="2945791"/>
             </a:xfrm>
             <a:prstGeom prst="rect">
               <a:avLst/>
@@ -6653,13 +6660,13 @@
             <a:p>
               <a:r>
                 <a:rPr lang="en-US" sz="1600" dirty="0"/>
-                <a:t>Describe and Setup Development &amp; Production Environment (DevOps)</a:t>
+                <a:t> #1 Describe and Setup Development &amp; Production Environment (DevOps)</a:t>
               </a:r>
             </a:p>
             <a:p>
               <a:r>
                 <a:rPr lang="en-US" sz="1600" dirty="0"/>
-                <a:t>Produce Release &amp; Assure Content Quality</a:t>
+                <a:t> #2 Produce Release &amp; Assure Content Quality</a:t>
               </a:r>
             </a:p>
           </p:txBody>
@@ -6757,10 +6764,10 @@
       </p:cxnSp>
       <p:pic>
         <p:nvPicPr>
-          <p:cNvPr id="4" name="Picture 3">
-            <a:extLst>
-              <a:ext uri="{FF2B5EF4-FFF2-40B4-BE49-F238E27FC236}">
-                <a16:creationId xmlns:a16="http://schemas.microsoft.com/office/drawing/2014/main" id="{D9399625-0E92-41FF-BB8C-1488BF0103DC}"/>
+          <p:cNvPr id="8" name="Graphic 7" descr="Checkbox Checked with solid fill">
+            <a:extLst>
+              <a:ext uri="{FF2B5EF4-FFF2-40B4-BE49-F238E27FC236}">
+                <a16:creationId xmlns:a16="http://schemas.microsoft.com/office/drawing/2014/main" id="{FDE20FDC-C71C-4F73-A4C3-202201AD1051}"/>
               </a:ext>
             </a:extLst>
           </p:cNvPr>
@@ -6770,368 +6777,13 @@
           <p:nvPr/>
         </p:nvPicPr>
         <p:blipFill>
-          <a:blip r:embed="rId3"/>
-          <a:stretch>
-            <a:fillRect/>
-          </a:stretch>
-        </p:blipFill>
-        <p:spPr>
-          <a:xfrm>
-            <a:off x="1710634" y="5892782"/>
-            <a:ext cx="1149479" cy="855627"/>
-          </a:xfrm>
-          <a:prstGeom prst="rect">
-            <a:avLst/>
-          </a:prstGeom>
-        </p:spPr>
-      </p:pic>
-      <p:pic>
-        <p:nvPicPr>
-          <p:cNvPr id="22" name="Picture 21">
-            <a:extLst>
-              <a:ext uri="{FF2B5EF4-FFF2-40B4-BE49-F238E27FC236}">
-                <a16:creationId xmlns:a16="http://schemas.microsoft.com/office/drawing/2014/main" id="{333BD516-95D5-420D-8560-0F2AE6D53706}"/>
-              </a:ext>
-            </a:extLst>
-          </p:cNvPr>
-          <p:cNvPicPr>
-            <a:picLocks noChangeAspect="1"/>
-          </p:cNvPicPr>
-          <p:nvPr/>
-        </p:nvPicPr>
-        <p:blipFill>
-          <a:blip r:embed="rId4"/>
-          <a:stretch>
-            <a:fillRect/>
-          </a:stretch>
-        </p:blipFill>
-        <p:spPr>
-          <a:xfrm>
-            <a:off x="3973673" y="4604669"/>
-            <a:ext cx="1685852" cy="734219"/>
-          </a:xfrm>
-          <a:prstGeom prst="rect">
-            <a:avLst/>
-          </a:prstGeom>
-        </p:spPr>
-      </p:pic>
-      <p:pic>
-        <p:nvPicPr>
-          <p:cNvPr id="24" name="Picture 23">
-            <a:extLst>
-              <a:ext uri="{FF2B5EF4-FFF2-40B4-BE49-F238E27FC236}">
-                <a16:creationId xmlns:a16="http://schemas.microsoft.com/office/drawing/2014/main" id="{1CE5BF89-B998-4284-A57B-F43043570C2D}"/>
-              </a:ext>
-            </a:extLst>
-          </p:cNvPr>
-          <p:cNvPicPr>
-            <a:picLocks noChangeAspect="1"/>
-          </p:cNvPicPr>
-          <p:nvPr/>
-        </p:nvPicPr>
-        <p:blipFill>
-          <a:blip r:embed="rId5"/>
-          <a:stretch>
-            <a:fillRect/>
-          </a:stretch>
-        </p:blipFill>
-        <p:spPr>
-          <a:xfrm>
-            <a:off x="4018700" y="5322882"/>
-            <a:ext cx="1595798" cy="713376"/>
-          </a:xfrm>
-          <a:prstGeom prst="rect">
-            <a:avLst/>
-          </a:prstGeom>
-        </p:spPr>
-      </p:pic>
-      <p:pic>
-        <p:nvPicPr>
-          <p:cNvPr id="26" name="Picture 25">
-            <a:extLst>
-              <a:ext uri="{FF2B5EF4-FFF2-40B4-BE49-F238E27FC236}">
-                <a16:creationId xmlns:a16="http://schemas.microsoft.com/office/drawing/2014/main" id="{F4703686-7E9F-4B23-B2D7-AD0BAED68DEB}"/>
-              </a:ext>
-            </a:extLst>
-          </p:cNvPr>
-          <p:cNvPicPr>
-            <a:picLocks noChangeAspect="1"/>
-          </p:cNvPicPr>
-          <p:nvPr/>
-        </p:nvPicPr>
-        <p:blipFill>
-          <a:blip r:embed="rId6"/>
-          <a:stretch>
-            <a:fillRect/>
-          </a:stretch>
-        </p:blipFill>
-        <p:spPr>
-          <a:xfrm>
-            <a:off x="5707389" y="5362584"/>
-            <a:ext cx="1398512" cy="658773"/>
-          </a:xfrm>
-          <a:prstGeom prst="rect">
-            <a:avLst/>
-          </a:prstGeom>
-        </p:spPr>
-      </p:pic>
-      <p:pic>
-        <p:nvPicPr>
-          <p:cNvPr id="27" name="Picture 26">
-            <a:extLst>
-              <a:ext uri="{FF2B5EF4-FFF2-40B4-BE49-F238E27FC236}">
-                <a16:creationId xmlns:a16="http://schemas.microsoft.com/office/drawing/2014/main" id="{13B703E2-A91F-4B12-A62E-026BD815212A}"/>
-              </a:ext>
-            </a:extLst>
-          </p:cNvPr>
-          <p:cNvPicPr>
-            <a:picLocks noChangeAspect="1"/>
-          </p:cNvPicPr>
-          <p:nvPr/>
-        </p:nvPicPr>
-        <p:blipFill>
-          <a:blip r:embed="rId7"/>
-          <a:stretch>
-            <a:fillRect/>
-          </a:stretch>
-        </p:blipFill>
-        <p:spPr>
-          <a:xfrm>
-            <a:off x="6096000" y="3820179"/>
-            <a:ext cx="1425667" cy="744911"/>
-          </a:xfrm>
-          <a:prstGeom prst="rect">
-            <a:avLst/>
-          </a:prstGeom>
-        </p:spPr>
-      </p:pic>
-      <p:pic>
-        <p:nvPicPr>
-          <p:cNvPr id="28" name="Picture 27">
-            <a:extLst>
-              <a:ext uri="{FF2B5EF4-FFF2-40B4-BE49-F238E27FC236}">
-                <a16:creationId xmlns:a16="http://schemas.microsoft.com/office/drawing/2014/main" id="{22FDD558-2A79-4411-B760-C0185C630CD8}"/>
-              </a:ext>
-            </a:extLst>
-          </p:cNvPr>
-          <p:cNvPicPr>
-            <a:picLocks noChangeAspect="1"/>
-          </p:cNvPicPr>
-          <p:nvPr/>
-        </p:nvPicPr>
-        <p:blipFill>
-          <a:blip r:embed="rId8"/>
-          <a:stretch>
-            <a:fillRect/>
-          </a:stretch>
-        </p:blipFill>
-        <p:spPr>
-          <a:xfrm>
-            <a:off x="6099299" y="4570364"/>
-            <a:ext cx="1398512" cy="734219"/>
-          </a:xfrm>
-          <a:prstGeom prst="rect">
-            <a:avLst/>
-          </a:prstGeom>
-        </p:spPr>
-      </p:pic>
-      <p:pic>
-        <p:nvPicPr>
-          <p:cNvPr id="30" name="Picture 29">
-            <a:extLst>
-              <a:ext uri="{FF2B5EF4-FFF2-40B4-BE49-F238E27FC236}">
-                <a16:creationId xmlns:a16="http://schemas.microsoft.com/office/drawing/2014/main" id="{C8203606-2B10-484E-B809-EF97F7FC49CA}"/>
-              </a:ext>
-            </a:extLst>
-          </p:cNvPr>
-          <p:cNvPicPr>
-            <a:picLocks noChangeAspect="1"/>
-          </p:cNvPicPr>
-          <p:nvPr/>
-        </p:nvPicPr>
-        <p:blipFill>
-          <a:blip r:embed="rId9"/>
-          <a:stretch>
-            <a:fillRect/>
-          </a:stretch>
-        </p:blipFill>
-        <p:spPr>
-          <a:xfrm>
-            <a:off x="5963173" y="6036258"/>
-            <a:ext cx="942795" cy="658773"/>
-          </a:xfrm>
-          <a:prstGeom prst="rect">
-            <a:avLst/>
-          </a:prstGeom>
-        </p:spPr>
-      </p:pic>
-      <p:pic>
-        <p:nvPicPr>
-          <p:cNvPr id="31" name="Picture 30">
-            <a:extLst>
-              <a:ext uri="{FF2B5EF4-FFF2-40B4-BE49-F238E27FC236}">
-                <a16:creationId xmlns:a16="http://schemas.microsoft.com/office/drawing/2014/main" id="{7DAE8289-AE3E-4093-9750-FA1E9EF96CF3}"/>
-              </a:ext>
-            </a:extLst>
-          </p:cNvPr>
-          <p:cNvPicPr>
-            <a:picLocks noChangeAspect="1"/>
-          </p:cNvPicPr>
-          <p:nvPr/>
-        </p:nvPicPr>
-        <p:blipFill>
-          <a:blip r:embed="rId10"/>
-          <a:stretch>
-            <a:fillRect/>
-          </a:stretch>
-        </p:blipFill>
-        <p:spPr>
-          <a:xfrm>
-            <a:off x="8413315" y="4036338"/>
-            <a:ext cx="1230678" cy="1105288"/>
-          </a:xfrm>
-          <a:prstGeom prst="rect">
-            <a:avLst/>
-          </a:prstGeom>
-        </p:spPr>
-      </p:pic>
-      <p:grpSp>
-        <p:nvGrpSpPr>
-          <p:cNvPr id="33" name="Group 32">
-            <a:extLst>
-              <a:ext uri="{FF2B5EF4-FFF2-40B4-BE49-F238E27FC236}">
-                <a16:creationId xmlns:a16="http://schemas.microsoft.com/office/drawing/2014/main" id="{59D0A2DB-7FAE-4FE3-9C68-C2A29D2F7257}"/>
-              </a:ext>
-            </a:extLst>
-          </p:cNvPr>
-          <p:cNvGrpSpPr/>
-          <p:nvPr/>
-        </p:nvGrpSpPr>
-        <p:grpSpPr>
-          <a:xfrm>
-            <a:off x="9806212" y="3994040"/>
-            <a:ext cx="1567977" cy="985549"/>
-            <a:chOff x="10316738" y="5281191"/>
-            <a:chExt cx="1567977" cy="985549"/>
-          </a:xfrm>
-        </p:grpSpPr>
-        <p:sp>
-          <p:nvSpPr>
-            <p:cNvPr id="34" name="TextBox 33">
-              <a:extLst>
-                <a:ext uri="{FF2B5EF4-FFF2-40B4-BE49-F238E27FC236}">
-                  <a16:creationId xmlns:a16="http://schemas.microsoft.com/office/drawing/2014/main" id="{F3E411DC-B380-4B1E-A64D-9058383D39B4}"/>
-                </a:ext>
-              </a:extLst>
-            </p:cNvPr>
-            <p:cNvSpPr txBox="1"/>
-            <p:nvPr/>
-          </p:nvSpPr>
-          <p:spPr>
-            <a:xfrm>
-              <a:off x="10316738" y="5743520"/>
-              <a:ext cx="1567977" cy="523220"/>
-            </a:xfrm>
-            <a:prstGeom prst="rect">
-              <a:avLst/>
-            </a:prstGeom>
-            <a:noFill/>
-          </p:spPr>
-          <p:txBody>
-            <a:bodyPr wrap="square">
-              <a:spAutoFit/>
-            </a:bodyPr>
-            <a:lstStyle/>
-            <a:p>
-              <a:pPr algn="ctr"/>
-              <a:r>
-                <a:rPr lang="en-US" sz="1400" dirty="0">
-                  <a:solidFill>
-                    <a:schemeClr val="accent4">
-                      <a:lumMod val="75000"/>
-                    </a:schemeClr>
-                  </a:solidFill>
-                </a:rPr>
-                <a:t>&lt;project&gt;</a:t>
-              </a:r>
-            </a:p>
-            <a:p>
-              <a:pPr algn="ctr"/>
-              <a:r>
-                <a:rPr lang="en-US" sz="1400" dirty="0">
-                  <a:solidFill>
-                    <a:schemeClr val="accent4">
-                      <a:lumMod val="75000"/>
-                    </a:schemeClr>
-                  </a:solidFill>
-                </a:rPr>
-                <a:t>Product Release</a:t>
-              </a:r>
-            </a:p>
-          </p:txBody>
-        </p:sp>
-        <p:pic>
-          <p:nvPicPr>
-            <p:cNvPr id="35" name="Graphic 34" descr="Continuous Improvement with solid fill">
-              <a:extLst>
-                <a:ext uri="{FF2B5EF4-FFF2-40B4-BE49-F238E27FC236}">
-                  <a16:creationId xmlns:a16="http://schemas.microsoft.com/office/drawing/2014/main" id="{D99AFB6E-931B-4897-AC95-434E2575BC91}"/>
-                </a:ext>
-              </a:extLst>
-            </p:cNvPr>
-            <p:cNvPicPr>
-              <a:picLocks noChangeAspect="1"/>
-            </p:cNvPicPr>
-            <p:nvPr/>
-          </p:nvPicPr>
-          <p:blipFill>
-            <a:blip r:embed="rId11">
-              <a:extLst>
-                <a:ext uri="{28A0092B-C50C-407E-A947-70E740481C1C}">
-                  <a14:useLocalDpi xmlns:a14="http://schemas.microsoft.com/office/drawing/2010/main" val="0"/>
-                </a:ext>
-                <a:ext uri="{96DAC541-7B7A-43D3-8B79-37D633B846F1}">
-                  <asvg:svgBlip xmlns:asvg="http://schemas.microsoft.com/office/drawing/2016/SVG/main" r:embed="rId12"/>
-                </a:ext>
-              </a:extLst>
-            </a:blip>
-            <a:stretch>
-              <a:fillRect/>
-            </a:stretch>
-          </p:blipFill>
-          <p:spPr>
-            <a:xfrm>
-              <a:off x="10743303" y="5281191"/>
-              <a:ext cx="649092" cy="649092"/>
-            </a:xfrm>
-            <a:prstGeom prst="rect">
-              <a:avLst/>
-            </a:prstGeom>
-          </p:spPr>
-        </p:pic>
-      </p:grpSp>
-      <p:pic>
-        <p:nvPicPr>
-          <p:cNvPr id="8" name="Graphic 7" descr="Checkbox Checked with solid fill">
-            <a:extLst>
-              <a:ext uri="{FF2B5EF4-FFF2-40B4-BE49-F238E27FC236}">
-                <a16:creationId xmlns:a16="http://schemas.microsoft.com/office/drawing/2014/main" id="{FDE20FDC-C71C-4F73-A4C3-202201AD1051}"/>
-              </a:ext>
-            </a:extLst>
-          </p:cNvPr>
-          <p:cNvPicPr>
-            <a:picLocks noChangeAspect="1"/>
-          </p:cNvPicPr>
-          <p:nvPr/>
-        </p:nvPicPr>
-        <p:blipFill>
-          <a:blip r:embed="rId13">
+          <a:blip r:embed="rId3">
             <a:extLst>
               <a:ext uri="{28A0092B-C50C-407E-A947-70E740481C1C}">
                 <a14:useLocalDpi xmlns:a14="http://schemas.microsoft.com/office/drawing/2010/main" val="0"/>
               </a:ext>
               <a:ext uri="{96DAC541-7B7A-43D3-8B79-37D633B846F1}">
-                <asvg:svgBlip xmlns:asvg="http://schemas.microsoft.com/office/drawing/2016/SVG/main" r:embed="rId14"/>
+                <asvg:svgBlip xmlns:asvg="http://schemas.microsoft.com/office/drawing/2016/SVG/main" r:embed="rId4"/>
               </a:ext>
             </a:extLst>
           </a:blip>
@@ -7164,13 +6816,13 @@
           <p:nvPr/>
         </p:nvPicPr>
         <p:blipFill>
-          <a:blip r:embed="rId13">
+          <a:blip r:embed="rId3">
             <a:extLst>
               <a:ext uri="{28A0092B-C50C-407E-A947-70E740481C1C}">
                 <a14:useLocalDpi xmlns:a14="http://schemas.microsoft.com/office/drawing/2010/main" val="0"/>
               </a:ext>
               <a:ext uri="{96DAC541-7B7A-43D3-8B79-37D633B846F1}">
-                <asvg:svgBlip xmlns:asvg="http://schemas.microsoft.com/office/drawing/2016/SVG/main" r:embed="rId14"/>
+                <asvg:svgBlip xmlns:asvg="http://schemas.microsoft.com/office/drawing/2016/SVG/main" r:embed="rId4"/>
               </a:ext>
             </a:extLst>
           </a:blip>
@@ -7203,13 +6855,13 @@
           <p:nvPr/>
         </p:nvPicPr>
         <p:blipFill>
-          <a:blip r:embed="rId13">
+          <a:blip r:embed="rId3">
             <a:extLst>
               <a:ext uri="{28A0092B-C50C-407E-A947-70E740481C1C}">
                 <a14:useLocalDpi xmlns:a14="http://schemas.microsoft.com/office/drawing/2010/main" val="0"/>
               </a:ext>
               <a:ext uri="{96DAC541-7B7A-43D3-8B79-37D633B846F1}">
-                <asvg:svgBlip xmlns:asvg="http://schemas.microsoft.com/office/drawing/2016/SVG/main" r:embed="rId14"/>
+                <asvg:svgBlip xmlns:asvg="http://schemas.microsoft.com/office/drawing/2016/SVG/main" r:embed="rId4"/>
               </a:ext>
             </a:extLst>
           </a:blip>
@@ -7242,13 +6894,13 @@
           <p:nvPr/>
         </p:nvPicPr>
         <p:blipFill>
-          <a:blip r:embed="rId13">
+          <a:blip r:embed="rId3">
             <a:extLst>
               <a:ext uri="{28A0092B-C50C-407E-A947-70E740481C1C}">
                 <a14:useLocalDpi xmlns:a14="http://schemas.microsoft.com/office/drawing/2010/main" val="0"/>
               </a:ext>
               <a:ext uri="{96DAC541-7B7A-43D3-8B79-37D633B846F1}">
-                <asvg:svgBlip xmlns:asvg="http://schemas.microsoft.com/office/drawing/2016/SVG/main" r:embed="rId14"/>
+                <asvg:svgBlip xmlns:asvg="http://schemas.microsoft.com/office/drawing/2016/SVG/main" r:embed="rId4"/>
               </a:ext>
             </a:extLst>
           </a:blip>
@@ -7281,13 +6933,13 @@
           <p:nvPr/>
         </p:nvPicPr>
         <p:blipFill>
-          <a:blip r:embed="rId15">
+          <a:blip r:embed="rId5">
             <a:extLst>
               <a:ext uri="{28A0092B-C50C-407E-A947-70E740481C1C}">
                 <a14:useLocalDpi xmlns:a14="http://schemas.microsoft.com/office/drawing/2010/main" val="0"/>
               </a:ext>
               <a:ext uri="{96DAC541-7B7A-43D3-8B79-37D633B846F1}">
-                <asvg:svgBlip xmlns:asvg="http://schemas.microsoft.com/office/drawing/2016/SVG/main" r:embed="rId16"/>
+                <asvg:svgBlip xmlns:asvg="http://schemas.microsoft.com/office/drawing/2016/SVG/main" r:embed="rId6"/>
               </a:ext>
             </a:extLst>
           </a:blip>
@@ -7320,13 +6972,13 @@
           <p:nvPr/>
         </p:nvPicPr>
         <p:blipFill>
-          <a:blip r:embed="rId13">
+          <a:blip r:embed="rId3">
             <a:extLst>
               <a:ext uri="{28A0092B-C50C-407E-A947-70E740481C1C}">
                 <a14:useLocalDpi xmlns:a14="http://schemas.microsoft.com/office/drawing/2010/main" val="0"/>
               </a:ext>
               <a:ext uri="{96DAC541-7B7A-43D3-8B79-37D633B846F1}">
-                <asvg:svgBlip xmlns:asvg="http://schemas.microsoft.com/office/drawing/2016/SVG/main" r:embed="rId14"/>
+                <asvg:svgBlip xmlns:asvg="http://schemas.microsoft.com/office/drawing/2016/SVG/main" r:embed="rId4"/>
               </a:ext>
             </a:extLst>
           </a:blip>
@@ -7359,13 +7011,13 @@
           <p:nvPr/>
         </p:nvPicPr>
         <p:blipFill>
-          <a:blip r:embed="rId15">
+          <a:blip r:embed="rId5">
             <a:extLst>
               <a:ext uri="{28A0092B-C50C-407E-A947-70E740481C1C}">
                 <a14:useLocalDpi xmlns:a14="http://schemas.microsoft.com/office/drawing/2010/main" val="0"/>
               </a:ext>
               <a:ext uri="{96DAC541-7B7A-43D3-8B79-37D633B846F1}">
-                <asvg:svgBlip xmlns:asvg="http://schemas.microsoft.com/office/drawing/2016/SVG/main" r:embed="rId16"/>
+                <asvg:svgBlip xmlns:asvg="http://schemas.microsoft.com/office/drawing/2016/SVG/main" r:embed="rId6"/>
               </a:ext>
             </a:extLst>
           </a:blip>
@@ -7375,7 +7027,7 @@
         </p:blipFill>
         <p:spPr>
           <a:xfrm>
-            <a:off x="86940" y="5176499"/>
+            <a:off x="93935" y="5362532"/>
             <a:ext cx="432987" cy="432987"/>
           </a:xfrm>
           <a:prstGeom prst="rect">
@@ -7398,13 +7050,13 @@
           <p:nvPr/>
         </p:nvPicPr>
         <p:blipFill>
-          <a:blip r:embed="rId15">
+          <a:blip r:embed="rId5">
             <a:extLst>
               <a:ext uri="{28A0092B-C50C-407E-A947-70E740481C1C}">
                 <a14:useLocalDpi xmlns:a14="http://schemas.microsoft.com/office/drawing/2010/main" val="0"/>
               </a:ext>
               <a:ext uri="{96DAC541-7B7A-43D3-8B79-37D633B846F1}">
-                <asvg:svgBlip xmlns:asvg="http://schemas.microsoft.com/office/drawing/2016/SVG/main" r:embed="rId16"/>
+                <asvg:svgBlip xmlns:asvg="http://schemas.microsoft.com/office/drawing/2016/SVG/main" r:embed="rId6"/>
               </a:ext>
             </a:extLst>
           </a:blip>
@@ -7414,46 +7066,7 @@
         </p:blipFill>
         <p:spPr>
           <a:xfrm>
-            <a:off x="86940" y="5501575"/>
-            <a:ext cx="432987" cy="432987"/>
-          </a:xfrm>
-          <a:prstGeom prst="rect">
-            <a:avLst/>
-          </a:prstGeom>
-        </p:spPr>
-      </p:pic>
-      <p:pic>
-        <p:nvPicPr>
-          <p:cNvPr id="42" name="Graphic 41" descr="Checkbox Checked with solid fill">
-            <a:extLst>
-              <a:ext uri="{FF2B5EF4-FFF2-40B4-BE49-F238E27FC236}">
-                <a16:creationId xmlns:a16="http://schemas.microsoft.com/office/drawing/2014/main" id="{AE893986-278D-48CB-80B9-981D17B82197}"/>
-              </a:ext>
-            </a:extLst>
-          </p:cNvPr>
-          <p:cNvPicPr>
-            <a:picLocks noChangeAspect="1"/>
-          </p:cNvPicPr>
-          <p:nvPr/>
-        </p:nvPicPr>
-        <p:blipFill>
-          <a:blip r:embed="rId13">
-            <a:extLst>
-              <a:ext uri="{28A0092B-C50C-407E-A947-70E740481C1C}">
-                <a14:useLocalDpi xmlns:a14="http://schemas.microsoft.com/office/drawing/2010/main" val="0"/>
-              </a:ext>
-              <a:ext uri="{96DAC541-7B7A-43D3-8B79-37D633B846F1}">
-                <asvg:svgBlip xmlns:asvg="http://schemas.microsoft.com/office/drawing/2016/SVG/main" r:embed="rId14"/>
-              </a:ext>
-            </a:extLst>
-          </a:blip>
-          <a:stretch>
-            <a:fillRect/>
-          </a:stretch>
-        </p:blipFill>
-        <p:spPr>
-          <a:xfrm>
-            <a:off x="1607620" y="5892817"/>
+            <a:off x="93935" y="5687608"/>
             <a:ext cx="432987" cy="432987"/>
           </a:xfrm>
           <a:prstGeom prst="rect">
@@ -7476,13 +7089,13 @@
           <p:nvPr/>
         </p:nvPicPr>
         <p:blipFill>
-          <a:blip r:embed="rId13">
+          <a:blip r:embed="rId3">
             <a:extLst>
               <a:ext uri="{28A0092B-C50C-407E-A947-70E740481C1C}">
                 <a14:useLocalDpi xmlns:a14="http://schemas.microsoft.com/office/drawing/2010/main" val="0"/>
               </a:ext>
               <a:ext uri="{96DAC541-7B7A-43D3-8B79-37D633B846F1}">
-                <asvg:svgBlip xmlns:asvg="http://schemas.microsoft.com/office/drawing/2016/SVG/main" r:embed="rId14"/>
+                <asvg:svgBlip xmlns:asvg="http://schemas.microsoft.com/office/drawing/2016/SVG/main" r:embed="rId4"/>
               </a:ext>
             </a:extLst>
           </a:blip>
@@ -7515,13 +7128,13 @@
           <p:nvPr/>
         </p:nvPicPr>
         <p:blipFill>
-          <a:blip r:embed="rId17">
+          <a:blip r:embed="rId7">
             <a:extLst>
               <a:ext uri="{28A0092B-C50C-407E-A947-70E740481C1C}">
                 <a14:useLocalDpi xmlns:a14="http://schemas.microsoft.com/office/drawing/2010/main" val="0"/>
               </a:ext>
               <a:ext uri="{96DAC541-7B7A-43D3-8B79-37D633B846F1}">
-                <asvg:svgBlip xmlns:asvg="http://schemas.microsoft.com/office/drawing/2016/SVG/main" r:embed="rId18"/>
+                <asvg:svgBlip xmlns:asvg="http://schemas.microsoft.com/office/drawing/2016/SVG/main" r:embed="rId8"/>
               </a:ext>
             </a:extLst>
           </a:blip>
@@ -7554,13 +7167,13 @@
           <p:nvPr/>
         </p:nvPicPr>
         <p:blipFill>
-          <a:blip r:embed="rId17">
+          <a:blip r:embed="rId7">
             <a:extLst>
               <a:ext uri="{28A0092B-C50C-407E-A947-70E740481C1C}">
                 <a14:useLocalDpi xmlns:a14="http://schemas.microsoft.com/office/drawing/2010/main" val="0"/>
               </a:ext>
               <a:ext uri="{96DAC541-7B7A-43D3-8B79-37D633B846F1}">
-                <asvg:svgBlip xmlns:asvg="http://schemas.microsoft.com/office/drawing/2016/SVG/main" r:embed="rId18"/>
+                <asvg:svgBlip xmlns:asvg="http://schemas.microsoft.com/office/drawing/2016/SVG/main" r:embed="rId8"/>
               </a:ext>
             </a:extLst>
           </a:blip>
@@ -7570,7 +7183,7 @@
         </p:blipFill>
         <p:spPr>
           <a:xfrm>
-            <a:off x="3883377" y="3764640"/>
+            <a:off x="3902745" y="3956955"/>
             <a:ext cx="432987" cy="432987"/>
           </a:xfrm>
           <a:prstGeom prst="rect">
@@ -7593,13 +7206,13 @@
           <p:nvPr/>
         </p:nvPicPr>
         <p:blipFill>
-          <a:blip r:embed="rId17">
+          <a:blip r:embed="rId7">
             <a:extLst>
               <a:ext uri="{28A0092B-C50C-407E-A947-70E740481C1C}">
                 <a14:useLocalDpi xmlns:a14="http://schemas.microsoft.com/office/drawing/2010/main" val="0"/>
               </a:ext>
               <a:ext uri="{96DAC541-7B7A-43D3-8B79-37D633B846F1}">
-                <asvg:svgBlip xmlns:asvg="http://schemas.microsoft.com/office/drawing/2016/SVG/main" r:embed="rId18"/>
+                <asvg:svgBlip xmlns:asvg="http://schemas.microsoft.com/office/drawing/2016/SVG/main" r:embed="rId8"/>
               </a:ext>
             </a:extLst>
           </a:blip>
@@ -7609,319 +7222,7 @@
         </p:blipFill>
         <p:spPr>
           <a:xfrm>
-            <a:off x="3882931" y="4112943"/>
-            <a:ext cx="432987" cy="432987"/>
-          </a:xfrm>
-          <a:prstGeom prst="rect">
-            <a:avLst/>
-          </a:prstGeom>
-        </p:spPr>
-      </p:pic>
-      <p:pic>
-        <p:nvPicPr>
-          <p:cNvPr id="47" name="Graphic 46" descr="Checkbox Checked with solid fill">
-            <a:extLst>
-              <a:ext uri="{FF2B5EF4-FFF2-40B4-BE49-F238E27FC236}">
-                <a16:creationId xmlns:a16="http://schemas.microsoft.com/office/drawing/2014/main" id="{5425213A-3235-4035-9A12-9D25E2917CE2}"/>
-              </a:ext>
-            </a:extLst>
-          </p:cNvPr>
-          <p:cNvPicPr>
-            <a:picLocks noChangeAspect="1"/>
-          </p:cNvPicPr>
-          <p:nvPr/>
-        </p:nvPicPr>
-        <p:blipFill>
-          <a:blip r:embed="rId13">
-            <a:extLst>
-              <a:ext uri="{28A0092B-C50C-407E-A947-70E740481C1C}">
-                <a14:useLocalDpi xmlns:a14="http://schemas.microsoft.com/office/drawing/2010/main" val="0"/>
-              </a:ext>
-              <a:ext uri="{96DAC541-7B7A-43D3-8B79-37D633B846F1}">
-                <asvg:svgBlip xmlns:asvg="http://schemas.microsoft.com/office/drawing/2016/SVG/main" r:embed="rId14"/>
-              </a:ext>
-            </a:extLst>
-          </a:blip>
-          <a:stretch>
-            <a:fillRect/>
-          </a:stretch>
-        </p:blipFill>
-        <p:spPr>
-          <a:xfrm>
-            <a:off x="4303805" y="4567435"/>
-            <a:ext cx="432987" cy="432987"/>
-          </a:xfrm>
-          <a:prstGeom prst="rect">
-            <a:avLst/>
-          </a:prstGeom>
-        </p:spPr>
-      </p:pic>
-      <p:pic>
-        <p:nvPicPr>
-          <p:cNvPr id="48" name="Graphic 47" descr="Checkbox Checked with solid fill">
-            <a:extLst>
-              <a:ext uri="{FF2B5EF4-FFF2-40B4-BE49-F238E27FC236}">
-                <a16:creationId xmlns:a16="http://schemas.microsoft.com/office/drawing/2014/main" id="{6C913C51-971E-4E4C-B7EF-07300AAB2286}"/>
-              </a:ext>
-            </a:extLst>
-          </p:cNvPr>
-          <p:cNvPicPr>
-            <a:picLocks noChangeAspect="1"/>
-          </p:cNvPicPr>
-          <p:nvPr/>
-        </p:nvPicPr>
-        <p:blipFill>
-          <a:blip r:embed="rId17">
-            <a:extLst>
-              <a:ext uri="{28A0092B-C50C-407E-A947-70E740481C1C}">
-                <a14:useLocalDpi xmlns:a14="http://schemas.microsoft.com/office/drawing/2010/main" val="0"/>
-              </a:ext>
-              <a:ext uri="{96DAC541-7B7A-43D3-8B79-37D633B846F1}">
-                <asvg:svgBlip xmlns:asvg="http://schemas.microsoft.com/office/drawing/2016/SVG/main" r:embed="rId18"/>
-              </a:ext>
-            </a:extLst>
-          </a:blip>
-          <a:stretch>
-            <a:fillRect/>
-          </a:stretch>
-        </p:blipFill>
-        <p:spPr>
-          <a:xfrm>
-            <a:off x="4270085" y="5245625"/>
-            <a:ext cx="432987" cy="432987"/>
-          </a:xfrm>
-          <a:prstGeom prst="rect">
-            <a:avLst/>
-          </a:prstGeom>
-        </p:spPr>
-      </p:pic>
-      <p:pic>
-        <p:nvPicPr>
-          <p:cNvPr id="49" name="Graphic 48" descr="Checkbox Checked with solid fill">
-            <a:extLst>
-              <a:ext uri="{FF2B5EF4-FFF2-40B4-BE49-F238E27FC236}">
-                <a16:creationId xmlns:a16="http://schemas.microsoft.com/office/drawing/2014/main" id="{9392AD26-0BEB-40DE-A5F0-BBC779B03774}"/>
-              </a:ext>
-            </a:extLst>
-          </p:cNvPr>
-          <p:cNvPicPr>
-            <a:picLocks noChangeAspect="1"/>
-          </p:cNvPicPr>
-          <p:nvPr/>
-        </p:nvPicPr>
-        <p:blipFill>
-          <a:blip r:embed="rId17">
-            <a:extLst>
-              <a:ext uri="{28A0092B-C50C-407E-A947-70E740481C1C}">
-                <a14:useLocalDpi xmlns:a14="http://schemas.microsoft.com/office/drawing/2010/main" val="0"/>
-              </a:ext>
-              <a:ext uri="{96DAC541-7B7A-43D3-8B79-37D633B846F1}">
-                <asvg:svgBlip xmlns:asvg="http://schemas.microsoft.com/office/drawing/2016/SVG/main" r:embed="rId18"/>
-              </a:ext>
-            </a:extLst>
-          </a:blip>
-          <a:stretch>
-            <a:fillRect/>
-          </a:stretch>
-        </p:blipFill>
-        <p:spPr>
-          <a:xfrm>
-            <a:off x="6241118" y="3762717"/>
-            <a:ext cx="432987" cy="432987"/>
-          </a:xfrm>
-          <a:prstGeom prst="rect">
-            <a:avLst/>
-          </a:prstGeom>
-        </p:spPr>
-      </p:pic>
-      <p:pic>
-        <p:nvPicPr>
-          <p:cNvPr id="51" name="Graphic 50" descr="Checkbox Checked with solid fill">
-            <a:extLst>
-              <a:ext uri="{FF2B5EF4-FFF2-40B4-BE49-F238E27FC236}">
-                <a16:creationId xmlns:a16="http://schemas.microsoft.com/office/drawing/2014/main" id="{C887E9D4-AFC6-4FD0-B3B3-44290C0A48FB}"/>
-              </a:ext>
-            </a:extLst>
-          </p:cNvPr>
-          <p:cNvPicPr>
-            <a:picLocks noChangeAspect="1"/>
-          </p:cNvPicPr>
-          <p:nvPr/>
-        </p:nvPicPr>
-        <p:blipFill>
-          <a:blip r:embed="rId17">
-            <a:extLst>
-              <a:ext uri="{28A0092B-C50C-407E-A947-70E740481C1C}">
-                <a14:useLocalDpi xmlns:a14="http://schemas.microsoft.com/office/drawing/2010/main" val="0"/>
-              </a:ext>
-              <a:ext uri="{96DAC541-7B7A-43D3-8B79-37D633B846F1}">
-                <asvg:svgBlip xmlns:asvg="http://schemas.microsoft.com/office/drawing/2016/SVG/main" r:embed="rId18"/>
-              </a:ext>
-            </a:extLst>
-          </a:blip>
-          <a:stretch>
-            <a:fillRect/>
-          </a:stretch>
-        </p:blipFill>
-        <p:spPr>
-          <a:xfrm>
-            <a:off x="6190151" y="4557814"/>
-            <a:ext cx="432987" cy="432987"/>
-          </a:xfrm>
-          <a:prstGeom prst="rect">
-            <a:avLst/>
-          </a:prstGeom>
-        </p:spPr>
-      </p:pic>
-      <p:pic>
-        <p:nvPicPr>
-          <p:cNvPr id="52" name="Graphic 51" descr="Checkbox Checked with solid fill">
-            <a:extLst>
-              <a:ext uri="{FF2B5EF4-FFF2-40B4-BE49-F238E27FC236}">
-                <a16:creationId xmlns:a16="http://schemas.microsoft.com/office/drawing/2014/main" id="{0DE58963-E0BB-4F1B-8E39-7C215B6DDD5A}"/>
-              </a:ext>
-            </a:extLst>
-          </p:cNvPr>
-          <p:cNvPicPr>
-            <a:picLocks noChangeAspect="1"/>
-          </p:cNvPicPr>
-          <p:nvPr/>
-        </p:nvPicPr>
-        <p:blipFill>
-          <a:blip r:embed="rId17">
-            <a:extLst>
-              <a:ext uri="{28A0092B-C50C-407E-A947-70E740481C1C}">
-                <a14:useLocalDpi xmlns:a14="http://schemas.microsoft.com/office/drawing/2010/main" val="0"/>
-              </a:ext>
-              <a:ext uri="{96DAC541-7B7A-43D3-8B79-37D633B846F1}">
-                <asvg:svgBlip xmlns:asvg="http://schemas.microsoft.com/office/drawing/2016/SVG/main" r:embed="rId18"/>
-              </a:ext>
-            </a:extLst>
-          </a:blip>
-          <a:stretch>
-            <a:fillRect/>
-          </a:stretch>
-        </p:blipFill>
-        <p:spPr>
-          <a:xfrm>
-            <a:off x="5803987" y="5287609"/>
-            <a:ext cx="432987" cy="432987"/>
-          </a:xfrm>
-          <a:prstGeom prst="rect">
-            <a:avLst/>
-          </a:prstGeom>
-        </p:spPr>
-      </p:pic>
-      <p:pic>
-        <p:nvPicPr>
-          <p:cNvPr id="55" name="Graphic 54" descr="Checkbox Checked with solid fill">
-            <a:extLst>
-              <a:ext uri="{FF2B5EF4-FFF2-40B4-BE49-F238E27FC236}">
-                <a16:creationId xmlns:a16="http://schemas.microsoft.com/office/drawing/2014/main" id="{97B53EB0-16E0-45C6-9E1B-DD9D35207EF8}"/>
-              </a:ext>
-            </a:extLst>
-          </p:cNvPr>
-          <p:cNvPicPr>
-            <a:picLocks noChangeAspect="1"/>
-          </p:cNvPicPr>
-          <p:nvPr/>
-        </p:nvPicPr>
-        <p:blipFill>
-          <a:blip r:embed="rId17">
-            <a:extLst>
-              <a:ext uri="{28A0092B-C50C-407E-A947-70E740481C1C}">
-                <a14:useLocalDpi xmlns:a14="http://schemas.microsoft.com/office/drawing/2010/main" val="0"/>
-              </a:ext>
-              <a:ext uri="{96DAC541-7B7A-43D3-8B79-37D633B846F1}">
-                <asvg:svgBlip xmlns:asvg="http://schemas.microsoft.com/office/drawing/2016/SVG/main" r:embed="rId18"/>
-              </a:ext>
-            </a:extLst>
-          </a:blip>
-          <a:stretch>
-            <a:fillRect/>
-          </a:stretch>
-        </p:blipFill>
-        <p:spPr>
-          <a:xfrm>
-            <a:off x="5746679" y="5969681"/>
-            <a:ext cx="432987" cy="432987"/>
-          </a:xfrm>
-          <a:prstGeom prst="rect">
-            <a:avLst/>
-          </a:prstGeom>
-        </p:spPr>
-      </p:pic>
-      <p:pic>
-        <p:nvPicPr>
-          <p:cNvPr id="56" name="Graphic 55" descr="Checkbox Checked with solid fill">
-            <a:extLst>
-              <a:ext uri="{FF2B5EF4-FFF2-40B4-BE49-F238E27FC236}">
-                <a16:creationId xmlns:a16="http://schemas.microsoft.com/office/drawing/2014/main" id="{C48E6240-9C1C-4BCC-8C16-2EEF3E37E7ED}"/>
-              </a:ext>
-            </a:extLst>
-          </p:cNvPr>
-          <p:cNvPicPr>
-            <a:picLocks noChangeAspect="1"/>
-          </p:cNvPicPr>
-          <p:nvPr/>
-        </p:nvPicPr>
-        <p:blipFill>
-          <a:blip r:embed="rId17">
-            <a:extLst>
-              <a:ext uri="{28A0092B-C50C-407E-A947-70E740481C1C}">
-                <a14:useLocalDpi xmlns:a14="http://schemas.microsoft.com/office/drawing/2010/main" val="0"/>
-              </a:ext>
-              <a:ext uri="{96DAC541-7B7A-43D3-8B79-37D633B846F1}">
-                <asvg:svgBlip xmlns:asvg="http://schemas.microsoft.com/office/drawing/2016/SVG/main" r:embed="rId18"/>
-              </a:ext>
-            </a:extLst>
-          </a:blip>
-          <a:stretch>
-            <a:fillRect/>
-          </a:stretch>
-        </p:blipFill>
-        <p:spPr>
-          <a:xfrm>
-            <a:off x="8462022" y="4171682"/>
-            <a:ext cx="432987" cy="432987"/>
-          </a:xfrm>
-          <a:prstGeom prst="rect">
-            <a:avLst/>
-          </a:prstGeom>
-        </p:spPr>
-      </p:pic>
-      <p:pic>
-        <p:nvPicPr>
-          <p:cNvPr id="57" name="Graphic 56" descr="Checkbox Checked with solid fill">
-            <a:extLst>
-              <a:ext uri="{FF2B5EF4-FFF2-40B4-BE49-F238E27FC236}">
-                <a16:creationId xmlns:a16="http://schemas.microsoft.com/office/drawing/2014/main" id="{D44CBFDA-FFEB-4CE0-B6EC-5F63D279346B}"/>
-              </a:ext>
-            </a:extLst>
-          </p:cNvPr>
-          <p:cNvPicPr>
-            <a:picLocks noChangeAspect="1"/>
-          </p:cNvPicPr>
-          <p:nvPr/>
-        </p:nvPicPr>
-        <p:blipFill>
-          <a:blip r:embed="rId17">
-            <a:extLst>
-              <a:ext uri="{28A0092B-C50C-407E-A947-70E740481C1C}">
-                <a14:useLocalDpi xmlns:a14="http://schemas.microsoft.com/office/drawing/2010/main" val="0"/>
-              </a:ext>
-              <a:ext uri="{96DAC541-7B7A-43D3-8B79-37D633B846F1}">
-                <asvg:svgBlip xmlns:asvg="http://schemas.microsoft.com/office/drawing/2016/SVG/main" r:embed="rId18"/>
-              </a:ext>
-            </a:extLst>
-          </a:blip>
-          <a:stretch>
-            <a:fillRect/>
-          </a:stretch>
-        </p:blipFill>
-        <p:spPr>
-          <a:xfrm>
-            <a:off x="9854064" y="4094772"/>
+            <a:off x="3902299" y="4305258"/>
             <a:ext cx="432987" cy="432987"/>
           </a:xfrm>
           <a:prstGeom prst="rect">
@@ -7944,13 +7245,13 @@
           <p:nvPr/>
         </p:nvPicPr>
         <p:blipFill>
-          <a:blip r:embed="rId17">
+          <a:blip r:embed="rId7">
             <a:extLst>
               <a:ext uri="{28A0092B-C50C-407E-A947-70E740481C1C}">
                 <a14:useLocalDpi xmlns:a14="http://schemas.microsoft.com/office/drawing/2010/main" val="0"/>
               </a:ext>
               <a:ext uri="{96DAC541-7B7A-43D3-8B79-37D633B846F1}">
-                <asvg:svgBlip xmlns:asvg="http://schemas.microsoft.com/office/drawing/2016/SVG/main" r:embed="rId18"/>
+                <asvg:svgBlip xmlns:asvg="http://schemas.microsoft.com/office/drawing/2016/SVG/main" r:embed="rId8"/>
               </a:ext>
             </a:extLst>
           </a:blip>
@@ -7983,13 +7284,13 @@
           <p:nvPr/>
         </p:nvPicPr>
         <p:blipFill>
-          <a:blip r:embed="rId17">
+          <a:blip r:embed="rId7">
             <a:extLst>
               <a:ext uri="{28A0092B-C50C-407E-A947-70E740481C1C}">
                 <a14:useLocalDpi xmlns:a14="http://schemas.microsoft.com/office/drawing/2010/main" val="0"/>
               </a:ext>
               <a:ext uri="{96DAC541-7B7A-43D3-8B79-37D633B846F1}">
-                <asvg:svgBlip xmlns:asvg="http://schemas.microsoft.com/office/drawing/2016/SVG/main" r:embed="rId18"/>
+                <asvg:svgBlip xmlns:asvg="http://schemas.microsoft.com/office/drawing/2016/SVG/main" r:embed="rId8"/>
               </a:ext>
             </a:extLst>
           </a:blip>
@@ -8022,13 +7323,13 @@
           <p:nvPr/>
         </p:nvPicPr>
         <p:blipFill>
-          <a:blip r:embed="rId17">
+          <a:blip r:embed="rId7">
             <a:extLst>
               <a:ext uri="{28A0092B-C50C-407E-A947-70E740481C1C}">
                 <a14:useLocalDpi xmlns:a14="http://schemas.microsoft.com/office/drawing/2010/main" val="0"/>
               </a:ext>
               <a:ext uri="{96DAC541-7B7A-43D3-8B79-37D633B846F1}">
-                <asvg:svgBlip xmlns:asvg="http://schemas.microsoft.com/office/drawing/2016/SVG/main" r:embed="rId18"/>
+                <asvg:svgBlip xmlns:asvg="http://schemas.microsoft.com/office/drawing/2016/SVG/main" r:embed="rId8"/>
               </a:ext>
             </a:extLst>
           </a:blip>
@@ -8061,13 +7362,13 @@
           <p:nvPr/>
         </p:nvPicPr>
         <p:blipFill>
-          <a:blip r:embed="rId13">
+          <a:blip r:embed="rId3">
             <a:extLst>
               <a:ext uri="{28A0092B-C50C-407E-A947-70E740481C1C}">
                 <a14:useLocalDpi xmlns:a14="http://schemas.microsoft.com/office/drawing/2010/main" val="0"/>
               </a:ext>
               <a:ext uri="{96DAC541-7B7A-43D3-8B79-37D633B846F1}">
-                <asvg:svgBlip xmlns:asvg="http://schemas.microsoft.com/office/drawing/2016/SVG/main" r:embed="rId14"/>
+                <asvg:svgBlip xmlns:asvg="http://schemas.microsoft.com/office/drawing/2016/SVG/main" r:embed="rId4"/>
               </a:ext>
             </a:extLst>
           </a:blip>
@@ -8234,13 +7535,13 @@
           <p:nvPr/>
         </p:nvPicPr>
         <p:blipFill>
-          <a:blip r:embed="rId15">
+          <a:blip r:embed="rId5">
             <a:extLst>
               <a:ext uri="{28A0092B-C50C-407E-A947-70E740481C1C}">
                 <a14:useLocalDpi xmlns:a14="http://schemas.microsoft.com/office/drawing/2010/main" val="0"/>
               </a:ext>
               <a:ext uri="{96DAC541-7B7A-43D3-8B79-37D633B846F1}">
-                <asvg:svgBlip xmlns:asvg="http://schemas.microsoft.com/office/drawing/2016/SVG/main" r:embed="rId16"/>
+                <asvg:svgBlip xmlns:asvg="http://schemas.microsoft.com/office/drawing/2016/SVG/main" r:embed="rId6"/>
               </a:ext>
             </a:extLst>
           </a:blip>
@@ -8260,10 +7561,181 @@
       </p:pic>
       <p:sp>
         <p:nvSpPr>
-          <p:cNvPr id="63" name="TextBox 62">
-            <a:extLst>
-              <a:ext uri="{FF2B5EF4-FFF2-40B4-BE49-F238E27FC236}">
-                <a16:creationId xmlns:a16="http://schemas.microsoft.com/office/drawing/2014/main" id="{C8197967-7D87-4F78-94BB-8D5BDE535795}"/>
+          <p:cNvPr id="4" name="Rectangle 3">
+            <a:extLst>
+              <a:ext uri="{FF2B5EF4-FFF2-40B4-BE49-F238E27FC236}">
+                <a16:creationId xmlns:a16="http://schemas.microsoft.com/office/drawing/2014/main" id="{D870EC1B-AF73-43A0-A0BB-36251DA179E1}"/>
+              </a:ext>
+            </a:extLst>
+          </p:cNvPr>
+          <p:cNvSpPr/>
+          <p:nvPr/>
+        </p:nvSpPr>
+        <p:spPr>
+          <a:xfrm>
+            <a:off x="177781" y="6140341"/>
+            <a:ext cx="11487296" cy="276999"/>
+          </a:xfrm>
+          <a:prstGeom prst="rect">
+            <a:avLst/>
+          </a:prstGeom>
+          <a:solidFill>
+            <a:schemeClr val="accent6">
+              <a:lumMod val="20000"/>
+              <a:lumOff val="80000"/>
+            </a:schemeClr>
+          </a:solidFill>
+        </p:spPr>
+        <p:style>
+          <a:lnRef idx="2">
+            <a:schemeClr val="dk1"/>
+          </a:lnRef>
+          <a:fillRef idx="1">
+            <a:schemeClr val="lt1"/>
+          </a:fillRef>
+          <a:effectRef idx="0">
+            <a:schemeClr val="dk1"/>
+          </a:effectRef>
+          <a:fontRef idx="minor">
+            <a:schemeClr val="dk1"/>
+          </a:fontRef>
+        </p:style>
+        <p:txBody>
+          <a:bodyPr rtlCol="0" anchor="ctr"/>
+          <a:lstStyle/>
+          <a:p>
+            <a:pPr algn="ctr"/>
+            <a:r>
+              <a:rPr lang="en-US" dirty="0"/>
+              <a:t>PROJECT DOCUMENTATION : Entry document :: EDUp FORDCS V1.0 PROJECT-DOCUMENT-v2022.07.doc</a:t>
+            </a:r>
+          </a:p>
+        </p:txBody>
+      </p:sp>
+      <p:sp>
+        <p:nvSpPr>
+          <p:cNvPr id="42" name="Rectangle 41">
+            <a:extLst>
+              <a:ext uri="{FF2B5EF4-FFF2-40B4-BE49-F238E27FC236}">
+                <a16:creationId xmlns:a16="http://schemas.microsoft.com/office/drawing/2014/main" id="{1158C906-2F59-4582-8E41-F13CB12AAF07}"/>
+              </a:ext>
+            </a:extLst>
+          </p:cNvPr>
+          <p:cNvSpPr/>
+          <p:nvPr/>
+        </p:nvSpPr>
+        <p:spPr>
+          <a:xfrm>
+            <a:off x="177781" y="6456643"/>
+            <a:ext cx="11487296" cy="276999"/>
+          </a:xfrm>
+          <a:prstGeom prst="rect">
+            <a:avLst/>
+          </a:prstGeom>
+          <a:solidFill>
+            <a:schemeClr val="accent4">
+              <a:lumMod val="20000"/>
+              <a:lumOff val="80000"/>
+            </a:schemeClr>
+          </a:solidFill>
+        </p:spPr>
+        <p:style>
+          <a:lnRef idx="2">
+            <a:schemeClr val="dk1"/>
+          </a:lnRef>
+          <a:fillRef idx="1">
+            <a:schemeClr val="lt1"/>
+          </a:fillRef>
+          <a:effectRef idx="0">
+            <a:schemeClr val="dk1"/>
+          </a:effectRef>
+          <a:fontRef idx="minor">
+            <a:schemeClr val="dk1"/>
+          </a:fontRef>
+        </p:style>
+        <p:txBody>
+          <a:bodyPr rtlCol="0" anchor="ctr"/>
+          <a:lstStyle/>
+          <a:p>
+            <a:pPr algn="ctr"/>
+            <a:r>
+              <a:rPr lang="en-US" dirty="0"/>
+              <a:t>PRESENTATION Slides per Epic/Activity</a:t>
+            </a:r>
+          </a:p>
+        </p:txBody>
+      </p:sp>
+    </p:spTree>
+    <p:extLst>
+      <p:ext uri="{BB962C8B-B14F-4D97-AF65-F5344CB8AC3E}">
+        <p14:creationId xmlns:p14="http://schemas.microsoft.com/office/powerpoint/2010/main" val="248109122"/>
+      </p:ext>
+    </p:extLst>
+  </p:cSld>
+  <p:clrMapOvr>
+    <a:masterClrMapping/>
+  </p:clrMapOvr>
+</p:sld>
+</file>
+
+<file path=ppt/slides/slide3.xml><?xml version="1.0" encoding="utf-8"?>
+<p:sld xmlns:a="http://schemas.openxmlformats.org/drawingml/2006/main" xmlns:r="http://schemas.openxmlformats.org/officeDocument/2006/relationships" xmlns:p="http://schemas.openxmlformats.org/presentationml/2006/main">
+  <p:cSld>
+    <p:spTree>
+      <p:nvGrpSpPr>
+        <p:cNvPr id="1" name=""/>
+        <p:cNvGrpSpPr/>
+        <p:nvPr/>
+      </p:nvGrpSpPr>
+      <p:grpSpPr>
+        <a:xfrm>
+          <a:off x="0" y="0"/>
+          <a:ext cx="0" cy="0"/>
+          <a:chOff x="0" y="0"/>
+          <a:chExt cx="0" cy="0"/>
+        </a:xfrm>
+      </p:grpSpPr>
+      <p:sp>
+        <p:nvSpPr>
+          <p:cNvPr id="4" name="Title 3">
+            <a:extLst>
+              <a:ext uri="{FF2B5EF4-FFF2-40B4-BE49-F238E27FC236}">
+                <a16:creationId xmlns:a16="http://schemas.microsoft.com/office/drawing/2014/main" id="{64844F22-9B44-4E72-AFA0-3DA7AC76C2D6}"/>
+              </a:ext>
+            </a:extLst>
+          </p:cNvPr>
+          <p:cNvSpPr>
+            <a:spLocks noGrp="1"/>
+          </p:cNvSpPr>
+          <p:nvPr>
+            <p:ph type="title"/>
+          </p:nvPr>
+        </p:nvSpPr>
+        <p:spPr>
+          <a:xfrm>
+            <a:off x="838200" y="0"/>
+            <a:ext cx="10515600" cy="833378"/>
+          </a:xfrm>
+        </p:spPr>
+        <p:txBody>
+          <a:bodyPr>
+            <a:normAutofit/>
+          </a:bodyPr>
+          <a:lstStyle/>
+          <a:p>
+            <a:r>
+              <a:rPr lang="en-US" dirty="0"/>
+              <a:t>Epic Planning</a:t>
+            </a:r>
+          </a:p>
+        </p:txBody>
+      </p:sp>
+      <p:sp>
+        <p:nvSpPr>
+          <p:cNvPr id="9" name="TextBox 8">
+            <a:extLst>
+              <a:ext uri="{FF2B5EF4-FFF2-40B4-BE49-F238E27FC236}">
+                <a16:creationId xmlns:a16="http://schemas.microsoft.com/office/drawing/2014/main" id="{78F6C53B-7A0F-4C43-AC72-C18B36056D11}"/>
               </a:ext>
             </a:extLst>
           </p:cNvPr>
@@ -8272,8 +7744,8 @@
         </p:nvSpPr>
         <p:spPr>
           <a:xfrm>
-            <a:off x="9532309" y="6320595"/>
-            <a:ext cx="2401792" cy="523220"/>
+            <a:off x="2115270" y="989200"/>
+            <a:ext cx="6094070" cy="369332"/>
           </a:xfrm>
           <a:prstGeom prst="rect">
             <a:avLst/>
@@ -8287,26 +7759,1119 @@
           <a:lstStyle/>
           <a:p>
             <a:r>
-              <a:rPr lang="en-US" sz="1400" i="1" dirty="0"/>
-              <a:t>Abbr.</a:t>
-            </a:r>
-          </a:p>
-          <a:p>
-            <a:pPr marL="285750" indent="-285750">
-              <a:buFont typeface="Arial" panose="020B0604020202020204" pitchFamily="34" charset="0"/>
-              <a:buChar char="•"/>
-            </a:pPr>
-            <a:r>
-              <a:rPr lang="en-US" sz="1400" i="1" dirty="0"/>
-              <a:t>DOC … documentation</a:t>
-            </a:r>
-          </a:p>
-        </p:txBody>
-      </p:sp>
+              <a:rPr lang="en-US" sz="1800" dirty="0"/>
+              <a:t>#1 Define the Statement of Work / Describe project Purpose</a:t>
+            </a:r>
+            <a:endParaRPr lang="en-US" sz="1800" b="1" dirty="0">
+              <a:solidFill>
+                <a:schemeClr val="accent6">
+                  <a:lumMod val="75000"/>
+                </a:schemeClr>
+              </a:solidFill>
+            </a:endParaRPr>
+          </a:p>
+        </p:txBody>
+      </p:sp>
+      <p:sp>
+        <p:nvSpPr>
+          <p:cNvPr id="23" name="TextBox 22">
+            <a:extLst>
+              <a:ext uri="{FF2B5EF4-FFF2-40B4-BE49-F238E27FC236}">
+                <a16:creationId xmlns:a16="http://schemas.microsoft.com/office/drawing/2014/main" id="{8DDA6110-5970-41A2-92D1-29E4676C8695}"/>
+              </a:ext>
+            </a:extLst>
+          </p:cNvPr>
+          <p:cNvSpPr txBox="1"/>
+          <p:nvPr/>
+        </p:nvSpPr>
+        <p:spPr>
+          <a:xfrm>
+            <a:off x="2727767" y="1401192"/>
+            <a:ext cx="6094070" cy="369332"/>
+          </a:xfrm>
+          <a:prstGeom prst="rect">
+            <a:avLst/>
+          </a:prstGeom>
+          <a:noFill/>
+        </p:spPr>
+        <p:txBody>
+          <a:bodyPr wrap="square">
+            <a:spAutoFit/>
+          </a:bodyPr>
+          <a:lstStyle/>
+          <a:p>
+            <a:r>
+              <a:rPr lang="en-US" sz="1800" dirty="0"/>
+              <a:t>#2 Describe Customer Requirements</a:t>
+            </a:r>
+            <a:endParaRPr lang="en-US" sz="1800" dirty="0">
+              <a:solidFill>
+                <a:schemeClr val="accent2">
+                  <a:lumMod val="75000"/>
+                </a:schemeClr>
+              </a:solidFill>
+            </a:endParaRPr>
+          </a:p>
+        </p:txBody>
+      </p:sp>
+      <p:sp>
+        <p:nvSpPr>
+          <p:cNvPr id="27" name="TextBox 26">
+            <a:extLst>
+              <a:ext uri="{FF2B5EF4-FFF2-40B4-BE49-F238E27FC236}">
+                <a16:creationId xmlns:a16="http://schemas.microsoft.com/office/drawing/2014/main" id="{96A6C7DE-85C2-403B-B749-379424403E1D}"/>
+              </a:ext>
+            </a:extLst>
+          </p:cNvPr>
+          <p:cNvSpPr txBox="1"/>
+          <p:nvPr/>
+        </p:nvSpPr>
+        <p:spPr>
+          <a:xfrm>
+            <a:off x="4467169" y="3660651"/>
+            <a:ext cx="6094070" cy="369332"/>
+          </a:xfrm>
+          <a:prstGeom prst="rect">
+            <a:avLst/>
+          </a:prstGeom>
+          <a:noFill/>
+        </p:spPr>
+        <p:txBody>
+          <a:bodyPr wrap="square">
+            <a:spAutoFit/>
+          </a:bodyPr>
+          <a:lstStyle/>
+          <a:p>
+            <a:r>
+              <a:rPr lang="en-US" sz="1800" dirty="0"/>
+              <a:t>#6 Describe Project Additional Considerations</a:t>
+            </a:r>
+            <a:endParaRPr lang="en-US" sz="1800" dirty="0">
+              <a:solidFill>
+                <a:srgbClr val="FF0000"/>
+              </a:solidFill>
+            </a:endParaRPr>
+          </a:p>
+        </p:txBody>
+      </p:sp>
+      <p:sp>
+        <p:nvSpPr>
+          <p:cNvPr id="28" name="TextBox 27">
+            <a:extLst>
+              <a:ext uri="{FF2B5EF4-FFF2-40B4-BE49-F238E27FC236}">
+                <a16:creationId xmlns:a16="http://schemas.microsoft.com/office/drawing/2014/main" id="{0FB753C1-B071-45DE-88D7-6A9BF4633433}"/>
+              </a:ext>
+            </a:extLst>
+          </p:cNvPr>
+          <p:cNvSpPr txBox="1"/>
+          <p:nvPr/>
+        </p:nvSpPr>
+        <p:spPr>
+          <a:xfrm>
+            <a:off x="5406444" y="4613411"/>
+            <a:ext cx="6094070" cy="369332"/>
+          </a:xfrm>
+          <a:prstGeom prst="rect">
+            <a:avLst/>
+          </a:prstGeom>
+          <a:noFill/>
+        </p:spPr>
+        <p:txBody>
+          <a:bodyPr wrap="square">
+            <a:spAutoFit/>
+          </a:bodyPr>
+          <a:lstStyle/>
+          <a:p>
+            <a:r>
+              <a:rPr lang="en-US" sz="1800" dirty="0"/>
+              <a:t>#8 Define and Describe Annex (if any)</a:t>
+            </a:r>
+            <a:r>
+              <a:rPr lang="en-US" sz="1800" dirty="0">
+                <a:sym typeface="Wingdings" panose="05000000000000000000" pitchFamily="2" charset="2"/>
+              </a:rPr>
+              <a:t> </a:t>
+            </a:r>
+            <a:endParaRPr lang="en-US" sz="1800" dirty="0">
+              <a:solidFill>
+                <a:srgbClr val="FF0000"/>
+              </a:solidFill>
+            </a:endParaRPr>
+          </a:p>
+        </p:txBody>
+      </p:sp>
+      <p:sp>
+        <p:nvSpPr>
+          <p:cNvPr id="29" name="TextBox 28">
+            <a:extLst>
+              <a:ext uri="{FF2B5EF4-FFF2-40B4-BE49-F238E27FC236}">
+                <a16:creationId xmlns:a16="http://schemas.microsoft.com/office/drawing/2014/main" id="{C76056A3-B9C2-4B8A-A800-9BDF0962FB06}"/>
+              </a:ext>
+            </a:extLst>
+          </p:cNvPr>
+          <p:cNvSpPr txBox="1"/>
+          <p:nvPr/>
+        </p:nvSpPr>
+        <p:spPr>
+          <a:xfrm>
+            <a:off x="4221143" y="3125948"/>
+            <a:ext cx="6094070" cy="369332"/>
+          </a:xfrm>
+          <a:prstGeom prst="rect">
+            <a:avLst/>
+          </a:prstGeom>
+          <a:noFill/>
+        </p:spPr>
+        <p:txBody>
+          <a:bodyPr wrap="square">
+            <a:spAutoFit/>
+          </a:bodyPr>
+          <a:lstStyle/>
+          <a:p>
+            <a:r>
+              <a:rPr lang="en-US" sz="1800" dirty="0"/>
+              <a:t>#5 Define Project Artifacts</a:t>
+            </a:r>
+            <a:endParaRPr lang="en-US" sz="1800" dirty="0">
+              <a:solidFill>
+                <a:srgbClr val="FF0000"/>
+              </a:solidFill>
+            </a:endParaRPr>
+          </a:p>
+        </p:txBody>
+      </p:sp>
+      <p:sp>
+        <p:nvSpPr>
+          <p:cNvPr id="30" name="TextBox 29">
+            <a:extLst>
+              <a:ext uri="{FF2B5EF4-FFF2-40B4-BE49-F238E27FC236}">
+                <a16:creationId xmlns:a16="http://schemas.microsoft.com/office/drawing/2014/main" id="{B77BD191-54B7-4C61-9810-12DC822ECEC9}"/>
+              </a:ext>
+            </a:extLst>
+          </p:cNvPr>
+          <p:cNvSpPr txBox="1"/>
+          <p:nvPr/>
+        </p:nvSpPr>
+        <p:spPr>
+          <a:xfrm>
+            <a:off x="5017439" y="4119684"/>
+            <a:ext cx="6094070" cy="369332"/>
+          </a:xfrm>
+          <a:prstGeom prst="rect">
+            <a:avLst/>
+          </a:prstGeom>
+          <a:noFill/>
+        </p:spPr>
+        <p:txBody>
+          <a:bodyPr wrap="square">
+            <a:spAutoFit/>
+          </a:bodyPr>
+          <a:lstStyle/>
+          <a:p>
+            <a:r>
+              <a:rPr lang="en-US" sz="1800" dirty="0"/>
+              <a:t>#7 Maintain Project References</a:t>
+            </a:r>
+            <a:endParaRPr lang="en-US" sz="1800" dirty="0">
+              <a:solidFill>
+                <a:srgbClr val="FF0000"/>
+              </a:solidFill>
+            </a:endParaRPr>
+          </a:p>
+        </p:txBody>
+      </p:sp>
+      <p:sp>
+        <p:nvSpPr>
+          <p:cNvPr id="31" name="TextBox 30">
+            <a:extLst>
+              <a:ext uri="{FF2B5EF4-FFF2-40B4-BE49-F238E27FC236}">
+                <a16:creationId xmlns:a16="http://schemas.microsoft.com/office/drawing/2014/main" id="{9619B2B4-2F4F-4B26-ABEB-2FBE67088BB5}"/>
+              </a:ext>
+            </a:extLst>
+          </p:cNvPr>
+          <p:cNvSpPr txBox="1"/>
+          <p:nvPr/>
+        </p:nvSpPr>
+        <p:spPr>
+          <a:xfrm>
+            <a:off x="3982661" y="2516967"/>
+            <a:ext cx="6094070" cy="369332"/>
+          </a:xfrm>
+          <a:prstGeom prst="rect">
+            <a:avLst/>
+          </a:prstGeom>
+          <a:noFill/>
+        </p:spPr>
+        <p:txBody>
+          <a:bodyPr wrap="square">
+            <a:spAutoFit/>
+          </a:bodyPr>
+          <a:lstStyle/>
+          <a:p>
+            <a:r>
+              <a:rPr lang="en-US" sz="1800" dirty="0"/>
+              <a:t>#4 Describe Project Release Plan</a:t>
+            </a:r>
+            <a:endParaRPr lang="en-US" sz="1800" dirty="0">
+              <a:solidFill>
+                <a:srgbClr val="FF0000"/>
+              </a:solidFill>
+            </a:endParaRPr>
+          </a:p>
+        </p:txBody>
+      </p:sp>
+      <p:sp>
+        <p:nvSpPr>
+          <p:cNvPr id="32" name="TextBox 31">
+            <a:extLst>
+              <a:ext uri="{FF2B5EF4-FFF2-40B4-BE49-F238E27FC236}">
+                <a16:creationId xmlns:a16="http://schemas.microsoft.com/office/drawing/2014/main" id="{46F9841F-386D-4FB5-AB31-929E101581AA}"/>
+              </a:ext>
+            </a:extLst>
+          </p:cNvPr>
+          <p:cNvSpPr txBox="1"/>
+          <p:nvPr/>
+        </p:nvSpPr>
+        <p:spPr>
+          <a:xfrm>
+            <a:off x="3514647" y="1907986"/>
+            <a:ext cx="6094070" cy="369332"/>
+          </a:xfrm>
+          <a:prstGeom prst="rect">
+            <a:avLst/>
+          </a:prstGeom>
+          <a:noFill/>
+        </p:spPr>
+        <p:txBody>
+          <a:bodyPr wrap="square">
+            <a:spAutoFit/>
+          </a:bodyPr>
+          <a:lstStyle/>
+          <a:p>
+            <a:r>
+              <a:rPr lang="en-US" sz="1800" dirty="0"/>
+              <a:t>#3 Describe Project Technical Scope</a:t>
+            </a:r>
+            <a:endParaRPr lang="en-US" sz="1800" dirty="0">
+              <a:solidFill>
+                <a:srgbClr val="FF0000"/>
+              </a:solidFill>
+            </a:endParaRPr>
+          </a:p>
+        </p:txBody>
+      </p:sp>
+      <p:sp>
+        <p:nvSpPr>
+          <p:cNvPr id="37" name="Oval 36">
+            <a:extLst>
+              <a:ext uri="{FF2B5EF4-FFF2-40B4-BE49-F238E27FC236}">
+                <a16:creationId xmlns:a16="http://schemas.microsoft.com/office/drawing/2014/main" id="{9FC82369-6182-4E76-9EF2-2647DBD8D877}"/>
+              </a:ext>
+            </a:extLst>
+          </p:cNvPr>
+          <p:cNvSpPr/>
+          <p:nvPr/>
+        </p:nvSpPr>
+        <p:spPr>
+          <a:xfrm>
+            <a:off x="1223030" y="3565229"/>
+            <a:ext cx="416689" cy="370390"/>
+          </a:xfrm>
+          <a:prstGeom prst="ellipse">
+            <a:avLst/>
+          </a:prstGeom>
+          <a:solidFill>
+            <a:schemeClr val="bg1">
+              <a:lumMod val="95000"/>
+            </a:schemeClr>
+          </a:solidFill>
+        </p:spPr>
+        <p:style>
+          <a:lnRef idx="2">
+            <a:schemeClr val="accent1">
+              <a:shade val="50000"/>
+            </a:schemeClr>
+          </a:lnRef>
+          <a:fillRef idx="1">
+            <a:schemeClr val="accent1"/>
+          </a:fillRef>
+          <a:effectRef idx="0">
+            <a:schemeClr val="accent1"/>
+          </a:effectRef>
+          <a:fontRef idx="minor">
+            <a:schemeClr val="lt1"/>
+          </a:fontRef>
+        </p:style>
+        <p:txBody>
+          <a:bodyPr rtlCol="0" anchor="ctr"/>
+          <a:lstStyle/>
+          <a:p>
+            <a:pPr algn="ctr"/>
+            <a:r>
+              <a:rPr lang="en-US" dirty="0">
+                <a:solidFill>
+                  <a:srgbClr val="C00000"/>
+                </a:solidFill>
+              </a:rPr>
+              <a:t>2</a:t>
+            </a:r>
+          </a:p>
+        </p:txBody>
+      </p:sp>
+      <p:sp>
+        <p:nvSpPr>
+          <p:cNvPr id="40" name="Oval 39">
+            <a:extLst>
+              <a:ext uri="{FF2B5EF4-FFF2-40B4-BE49-F238E27FC236}">
+                <a16:creationId xmlns:a16="http://schemas.microsoft.com/office/drawing/2014/main" id="{3A5B65E1-7C7D-4875-BB35-DD69A42EC15A}"/>
+              </a:ext>
+            </a:extLst>
+          </p:cNvPr>
+          <p:cNvSpPr/>
+          <p:nvPr/>
+        </p:nvSpPr>
+        <p:spPr>
+          <a:xfrm>
+            <a:off x="696408" y="3063836"/>
+            <a:ext cx="416689" cy="370390"/>
+          </a:xfrm>
+          <a:prstGeom prst="ellipse">
+            <a:avLst/>
+          </a:prstGeom>
+          <a:solidFill>
+            <a:schemeClr val="bg1">
+              <a:lumMod val="95000"/>
+            </a:schemeClr>
+          </a:solidFill>
+        </p:spPr>
+        <p:style>
+          <a:lnRef idx="2">
+            <a:schemeClr val="accent1">
+              <a:shade val="50000"/>
+            </a:schemeClr>
+          </a:lnRef>
+          <a:fillRef idx="1">
+            <a:schemeClr val="accent1"/>
+          </a:fillRef>
+          <a:effectRef idx="0">
+            <a:schemeClr val="accent1"/>
+          </a:effectRef>
+          <a:fontRef idx="minor">
+            <a:schemeClr val="lt1"/>
+          </a:fontRef>
+        </p:style>
+        <p:txBody>
+          <a:bodyPr rtlCol="0" anchor="ctr"/>
+          <a:lstStyle/>
+          <a:p>
+            <a:pPr algn="ctr"/>
+            <a:r>
+              <a:rPr lang="en-US" dirty="0">
+                <a:solidFill>
+                  <a:srgbClr val="C00000"/>
+                </a:solidFill>
+              </a:rPr>
+              <a:t>1</a:t>
+            </a:r>
+          </a:p>
+        </p:txBody>
+      </p:sp>
+      <p:cxnSp>
+        <p:nvCxnSpPr>
+          <p:cNvPr id="45" name="Straight Arrow Connector 44">
+            <a:extLst>
+              <a:ext uri="{FF2B5EF4-FFF2-40B4-BE49-F238E27FC236}">
+                <a16:creationId xmlns:a16="http://schemas.microsoft.com/office/drawing/2014/main" id="{1F26F6C5-3BD5-410C-BCE7-78BB60851C1B}"/>
+              </a:ext>
+            </a:extLst>
+          </p:cNvPr>
+          <p:cNvCxnSpPr>
+            <a:cxnSpLocks/>
+            <a:stCxn id="40" idx="0"/>
+            <a:endCxn id="9" idx="1"/>
+          </p:cNvCxnSpPr>
+          <p:nvPr/>
+        </p:nvCxnSpPr>
+        <p:spPr>
+          <a:xfrm rot="5400000" flipH="1" flipV="1">
+            <a:off x="565026" y="1513593"/>
+            <a:ext cx="1889970" cy="1210517"/>
+          </a:xfrm>
+          <a:prstGeom prst="curvedConnector2">
+            <a:avLst/>
+          </a:prstGeom>
+          <a:ln>
+            <a:tailEnd type="triangle"/>
+          </a:ln>
+        </p:spPr>
+        <p:style>
+          <a:lnRef idx="1">
+            <a:schemeClr val="accent1"/>
+          </a:lnRef>
+          <a:fillRef idx="0">
+            <a:schemeClr val="accent1"/>
+          </a:fillRef>
+          <a:effectRef idx="0">
+            <a:schemeClr val="accent1"/>
+          </a:effectRef>
+          <a:fontRef idx="minor">
+            <a:schemeClr val="tx1"/>
+          </a:fontRef>
+        </p:style>
+      </p:cxnSp>
+      <p:cxnSp>
+        <p:nvCxnSpPr>
+          <p:cNvPr id="47" name="Straight Arrow Connector 46">
+            <a:extLst>
+              <a:ext uri="{FF2B5EF4-FFF2-40B4-BE49-F238E27FC236}">
+                <a16:creationId xmlns:a16="http://schemas.microsoft.com/office/drawing/2014/main" id="{8F6A6288-E6E9-46A0-AF9F-F55C26B614BA}"/>
+              </a:ext>
+            </a:extLst>
+          </p:cNvPr>
+          <p:cNvCxnSpPr>
+            <a:cxnSpLocks/>
+            <a:stCxn id="37" idx="0"/>
+            <a:endCxn id="23" idx="1"/>
+          </p:cNvCxnSpPr>
+          <p:nvPr/>
+        </p:nvCxnSpPr>
+        <p:spPr>
+          <a:xfrm rot="5400000" flipH="1" flipV="1">
+            <a:off x="1089886" y="1927348"/>
+            <a:ext cx="1979371" cy="1296392"/>
+          </a:xfrm>
+          <a:prstGeom prst="curvedConnector2">
+            <a:avLst/>
+          </a:prstGeom>
+          <a:ln>
+            <a:tailEnd type="triangle"/>
+          </a:ln>
+        </p:spPr>
+        <p:style>
+          <a:lnRef idx="1">
+            <a:schemeClr val="accent1"/>
+          </a:lnRef>
+          <a:fillRef idx="0">
+            <a:schemeClr val="accent1"/>
+          </a:fillRef>
+          <a:effectRef idx="0">
+            <a:schemeClr val="accent1"/>
+          </a:effectRef>
+          <a:fontRef idx="minor">
+            <a:schemeClr val="tx1"/>
+          </a:fontRef>
+        </p:style>
+      </p:cxnSp>
+      <p:sp>
+        <p:nvSpPr>
+          <p:cNvPr id="61" name="Oval 60">
+            <a:extLst>
+              <a:ext uri="{FF2B5EF4-FFF2-40B4-BE49-F238E27FC236}">
+                <a16:creationId xmlns:a16="http://schemas.microsoft.com/office/drawing/2014/main" id="{86577182-E5A7-4E3D-92EB-F5DC3869AF4D}"/>
+              </a:ext>
+            </a:extLst>
+          </p:cNvPr>
+          <p:cNvSpPr/>
+          <p:nvPr/>
+        </p:nvSpPr>
+        <p:spPr>
+          <a:xfrm>
+            <a:off x="1820842" y="4071232"/>
+            <a:ext cx="416689" cy="370390"/>
+          </a:xfrm>
+          <a:prstGeom prst="ellipse">
+            <a:avLst/>
+          </a:prstGeom>
+          <a:solidFill>
+            <a:schemeClr val="bg1">
+              <a:lumMod val="95000"/>
+            </a:schemeClr>
+          </a:solidFill>
+        </p:spPr>
+        <p:style>
+          <a:lnRef idx="2">
+            <a:schemeClr val="accent1">
+              <a:shade val="50000"/>
+            </a:schemeClr>
+          </a:lnRef>
+          <a:fillRef idx="1">
+            <a:schemeClr val="accent1"/>
+          </a:fillRef>
+          <a:effectRef idx="0">
+            <a:schemeClr val="accent1"/>
+          </a:effectRef>
+          <a:fontRef idx="minor">
+            <a:schemeClr val="lt1"/>
+          </a:fontRef>
+        </p:style>
+        <p:txBody>
+          <a:bodyPr rtlCol="0" anchor="ctr"/>
+          <a:lstStyle/>
+          <a:p>
+            <a:pPr algn="ctr"/>
+            <a:r>
+              <a:rPr lang="en-US" dirty="0">
+                <a:solidFill>
+                  <a:srgbClr val="C00000"/>
+                </a:solidFill>
+              </a:rPr>
+              <a:t>3</a:t>
+            </a:r>
+          </a:p>
+        </p:txBody>
+      </p:sp>
+      <p:cxnSp>
+        <p:nvCxnSpPr>
+          <p:cNvPr id="62" name="Straight Arrow Connector 61">
+            <a:extLst>
+              <a:ext uri="{FF2B5EF4-FFF2-40B4-BE49-F238E27FC236}">
+                <a16:creationId xmlns:a16="http://schemas.microsoft.com/office/drawing/2014/main" id="{72970F73-D97A-4C0B-ACFE-346739DEDA17}"/>
+              </a:ext>
+            </a:extLst>
+          </p:cNvPr>
+          <p:cNvCxnSpPr>
+            <a:cxnSpLocks/>
+            <a:stCxn id="61" idx="0"/>
+            <a:endCxn id="32" idx="1"/>
+          </p:cNvCxnSpPr>
+          <p:nvPr/>
+        </p:nvCxnSpPr>
+        <p:spPr>
+          <a:xfrm rot="5400000" flipH="1" flipV="1">
+            <a:off x="1782627" y="2339212"/>
+            <a:ext cx="1978580" cy="1485460"/>
+          </a:xfrm>
+          <a:prstGeom prst="curvedConnector2">
+            <a:avLst/>
+          </a:prstGeom>
+          <a:ln>
+            <a:tailEnd type="triangle"/>
+          </a:ln>
+        </p:spPr>
+        <p:style>
+          <a:lnRef idx="1">
+            <a:schemeClr val="accent1"/>
+          </a:lnRef>
+          <a:fillRef idx="0">
+            <a:schemeClr val="accent1"/>
+          </a:fillRef>
+          <a:effectRef idx="0">
+            <a:schemeClr val="accent1"/>
+          </a:effectRef>
+          <a:fontRef idx="minor">
+            <a:schemeClr val="tx1"/>
+          </a:fontRef>
+        </p:style>
+      </p:cxnSp>
+      <p:sp>
+        <p:nvSpPr>
+          <p:cNvPr id="63" name="Oval 62">
+            <a:extLst>
+              <a:ext uri="{FF2B5EF4-FFF2-40B4-BE49-F238E27FC236}">
+                <a16:creationId xmlns:a16="http://schemas.microsoft.com/office/drawing/2014/main" id="{331F1259-FB38-47A4-B6B1-F8AB63D6910C}"/>
+              </a:ext>
+            </a:extLst>
+          </p:cNvPr>
+          <p:cNvSpPr/>
+          <p:nvPr/>
+        </p:nvSpPr>
+        <p:spPr>
+          <a:xfrm>
+            <a:off x="4126592" y="5821848"/>
+            <a:ext cx="416689" cy="370390"/>
+          </a:xfrm>
+          <a:prstGeom prst="ellipse">
+            <a:avLst/>
+          </a:prstGeom>
+          <a:solidFill>
+            <a:schemeClr val="bg1">
+              <a:lumMod val="95000"/>
+            </a:schemeClr>
+          </a:solidFill>
+        </p:spPr>
+        <p:style>
+          <a:lnRef idx="2">
+            <a:schemeClr val="accent1">
+              <a:shade val="50000"/>
+            </a:schemeClr>
+          </a:lnRef>
+          <a:fillRef idx="1">
+            <a:schemeClr val="accent1"/>
+          </a:fillRef>
+          <a:effectRef idx="0">
+            <a:schemeClr val="accent1"/>
+          </a:effectRef>
+          <a:fontRef idx="minor">
+            <a:schemeClr val="lt1"/>
+          </a:fontRef>
+        </p:style>
+        <p:txBody>
+          <a:bodyPr rtlCol="0" anchor="ctr"/>
+          <a:lstStyle/>
+          <a:p>
+            <a:pPr algn="ctr"/>
+            <a:r>
+              <a:rPr lang="en-US" dirty="0">
+                <a:solidFill>
+                  <a:srgbClr val="C00000"/>
+                </a:solidFill>
+              </a:rPr>
+              <a:t>7</a:t>
+            </a:r>
+          </a:p>
+        </p:txBody>
+      </p:sp>
+      <p:cxnSp>
+        <p:nvCxnSpPr>
+          <p:cNvPr id="64" name="Straight Arrow Connector 63">
+            <a:extLst>
+              <a:ext uri="{FF2B5EF4-FFF2-40B4-BE49-F238E27FC236}">
+                <a16:creationId xmlns:a16="http://schemas.microsoft.com/office/drawing/2014/main" id="{DC93B562-E7A0-4E7B-9337-1749103E701E}"/>
+              </a:ext>
+            </a:extLst>
+          </p:cNvPr>
+          <p:cNvCxnSpPr>
+            <a:cxnSpLocks/>
+            <a:stCxn id="63" idx="0"/>
+            <a:endCxn id="30" idx="1"/>
+          </p:cNvCxnSpPr>
+          <p:nvPr/>
+        </p:nvCxnSpPr>
+        <p:spPr>
+          <a:xfrm rot="5400000" flipH="1" flipV="1">
+            <a:off x="3917439" y="4721848"/>
+            <a:ext cx="1517498" cy="682502"/>
+          </a:xfrm>
+          <a:prstGeom prst="curvedConnector2">
+            <a:avLst/>
+          </a:prstGeom>
+          <a:ln>
+            <a:tailEnd type="triangle"/>
+          </a:ln>
+        </p:spPr>
+        <p:style>
+          <a:lnRef idx="1">
+            <a:schemeClr val="accent1"/>
+          </a:lnRef>
+          <a:fillRef idx="0">
+            <a:schemeClr val="accent1"/>
+          </a:fillRef>
+          <a:effectRef idx="0">
+            <a:schemeClr val="accent1"/>
+          </a:effectRef>
+          <a:fontRef idx="minor">
+            <a:schemeClr val="tx1"/>
+          </a:fontRef>
+        </p:style>
+      </p:cxnSp>
+      <p:sp>
+        <p:nvSpPr>
+          <p:cNvPr id="65" name="Oval 64">
+            <a:extLst>
+              <a:ext uri="{FF2B5EF4-FFF2-40B4-BE49-F238E27FC236}">
+                <a16:creationId xmlns:a16="http://schemas.microsoft.com/office/drawing/2014/main" id="{844B9BC1-2716-481D-9A87-2BD191747ADA}"/>
+              </a:ext>
+            </a:extLst>
+          </p:cNvPr>
+          <p:cNvSpPr/>
+          <p:nvPr/>
+        </p:nvSpPr>
+        <p:spPr>
+          <a:xfrm>
+            <a:off x="3529243" y="5355755"/>
+            <a:ext cx="416689" cy="370390"/>
+          </a:xfrm>
+          <a:prstGeom prst="ellipse">
+            <a:avLst/>
+          </a:prstGeom>
+          <a:solidFill>
+            <a:schemeClr val="bg1">
+              <a:lumMod val="95000"/>
+            </a:schemeClr>
+          </a:solidFill>
+        </p:spPr>
+        <p:style>
+          <a:lnRef idx="2">
+            <a:schemeClr val="accent1">
+              <a:shade val="50000"/>
+            </a:schemeClr>
+          </a:lnRef>
+          <a:fillRef idx="1">
+            <a:schemeClr val="accent1"/>
+          </a:fillRef>
+          <a:effectRef idx="0">
+            <a:schemeClr val="accent1"/>
+          </a:effectRef>
+          <a:fontRef idx="minor">
+            <a:schemeClr val="lt1"/>
+          </a:fontRef>
+        </p:style>
+        <p:txBody>
+          <a:bodyPr rtlCol="0" anchor="ctr"/>
+          <a:lstStyle/>
+          <a:p>
+            <a:pPr algn="ctr"/>
+            <a:r>
+              <a:rPr lang="en-US" dirty="0">
+                <a:solidFill>
+                  <a:srgbClr val="C00000"/>
+                </a:solidFill>
+              </a:rPr>
+              <a:t>6</a:t>
+            </a:r>
+          </a:p>
+        </p:txBody>
+      </p:sp>
+      <p:cxnSp>
+        <p:nvCxnSpPr>
+          <p:cNvPr id="66" name="Straight Arrow Connector 65">
+            <a:extLst>
+              <a:ext uri="{FF2B5EF4-FFF2-40B4-BE49-F238E27FC236}">
+                <a16:creationId xmlns:a16="http://schemas.microsoft.com/office/drawing/2014/main" id="{1BC6A93F-2223-4111-B093-6729AC57821F}"/>
+              </a:ext>
+            </a:extLst>
+          </p:cNvPr>
+          <p:cNvCxnSpPr>
+            <a:cxnSpLocks/>
+            <a:stCxn id="65" idx="0"/>
+            <a:endCxn id="27" idx="1"/>
+          </p:cNvCxnSpPr>
+          <p:nvPr/>
+        </p:nvCxnSpPr>
+        <p:spPr>
+          <a:xfrm rot="5400000" flipH="1" flipV="1">
+            <a:off x="3347159" y="4235746"/>
+            <a:ext cx="1510438" cy="729581"/>
+          </a:xfrm>
+          <a:prstGeom prst="curvedConnector2">
+            <a:avLst/>
+          </a:prstGeom>
+          <a:ln>
+            <a:tailEnd type="triangle"/>
+          </a:ln>
+        </p:spPr>
+        <p:style>
+          <a:lnRef idx="1">
+            <a:schemeClr val="accent1"/>
+          </a:lnRef>
+          <a:fillRef idx="0">
+            <a:schemeClr val="accent1"/>
+          </a:fillRef>
+          <a:effectRef idx="0">
+            <a:schemeClr val="accent1"/>
+          </a:effectRef>
+          <a:fontRef idx="minor">
+            <a:schemeClr val="tx1"/>
+          </a:fontRef>
+        </p:style>
+      </p:cxnSp>
+      <p:sp>
+        <p:nvSpPr>
+          <p:cNvPr id="67" name="Oval 66">
+            <a:extLst>
+              <a:ext uri="{FF2B5EF4-FFF2-40B4-BE49-F238E27FC236}">
+                <a16:creationId xmlns:a16="http://schemas.microsoft.com/office/drawing/2014/main" id="{CB5F25B8-69AD-4768-BBD4-D262DF1D1E95}"/>
+              </a:ext>
+            </a:extLst>
+          </p:cNvPr>
+          <p:cNvSpPr/>
+          <p:nvPr/>
+        </p:nvSpPr>
+        <p:spPr>
+          <a:xfrm>
+            <a:off x="3033294" y="4985365"/>
+            <a:ext cx="416689" cy="370390"/>
+          </a:xfrm>
+          <a:prstGeom prst="ellipse">
+            <a:avLst/>
+          </a:prstGeom>
+          <a:solidFill>
+            <a:schemeClr val="bg1">
+              <a:lumMod val="95000"/>
+            </a:schemeClr>
+          </a:solidFill>
+        </p:spPr>
+        <p:style>
+          <a:lnRef idx="2">
+            <a:schemeClr val="accent1">
+              <a:shade val="50000"/>
+            </a:schemeClr>
+          </a:lnRef>
+          <a:fillRef idx="1">
+            <a:schemeClr val="accent1"/>
+          </a:fillRef>
+          <a:effectRef idx="0">
+            <a:schemeClr val="accent1"/>
+          </a:effectRef>
+          <a:fontRef idx="minor">
+            <a:schemeClr val="lt1"/>
+          </a:fontRef>
+        </p:style>
+        <p:txBody>
+          <a:bodyPr rtlCol="0" anchor="ctr"/>
+          <a:lstStyle/>
+          <a:p>
+            <a:pPr algn="ctr"/>
+            <a:r>
+              <a:rPr lang="en-US" dirty="0">
+                <a:solidFill>
+                  <a:srgbClr val="C00000"/>
+                </a:solidFill>
+              </a:rPr>
+              <a:t>5</a:t>
+            </a:r>
+          </a:p>
+        </p:txBody>
+      </p:sp>
+      <p:cxnSp>
+        <p:nvCxnSpPr>
+          <p:cNvPr id="68" name="Straight Arrow Connector 67">
+            <a:extLst>
+              <a:ext uri="{FF2B5EF4-FFF2-40B4-BE49-F238E27FC236}">
+                <a16:creationId xmlns:a16="http://schemas.microsoft.com/office/drawing/2014/main" id="{F9147F63-1DE3-4EA0-9618-0D265B329E59}"/>
+              </a:ext>
+            </a:extLst>
+          </p:cNvPr>
+          <p:cNvCxnSpPr>
+            <a:cxnSpLocks/>
+            <a:stCxn id="67" idx="0"/>
+            <a:endCxn id="29" idx="1"/>
+          </p:cNvCxnSpPr>
+          <p:nvPr/>
+        </p:nvCxnSpPr>
+        <p:spPr>
+          <a:xfrm rot="5400000" flipH="1" flipV="1">
+            <a:off x="2894016" y="3658238"/>
+            <a:ext cx="1674751" cy="979504"/>
+          </a:xfrm>
+          <a:prstGeom prst="curvedConnector2">
+            <a:avLst/>
+          </a:prstGeom>
+          <a:ln>
+            <a:tailEnd type="triangle"/>
+          </a:ln>
+        </p:spPr>
+        <p:style>
+          <a:lnRef idx="1">
+            <a:schemeClr val="accent1"/>
+          </a:lnRef>
+          <a:fillRef idx="0">
+            <a:schemeClr val="accent1"/>
+          </a:fillRef>
+          <a:effectRef idx="0">
+            <a:schemeClr val="accent1"/>
+          </a:effectRef>
+          <a:fontRef idx="minor">
+            <a:schemeClr val="tx1"/>
+          </a:fontRef>
+        </p:style>
+      </p:cxnSp>
+      <p:sp>
+        <p:nvSpPr>
+          <p:cNvPr id="69" name="Oval 68">
+            <a:extLst>
+              <a:ext uri="{FF2B5EF4-FFF2-40B4-BE49-F238E27FC236}">
+                <a16:creationId xmlns:a16="http://schemas.microsoft.com/office/drawing/2014/main" id="{FEC51422-76DD-474C-AAEE-004333147270}"/>
+              </a:ext>
+            </a:extLst>
+          </p:cNvPr>
+          <p:cNvSpPr/>
+          <p:nvPr/>
+        </p:nvSpPr>
+        <p:spPr>
+          <a:xfrm>
+            <a:off x="2391433" y="4531892"/>
+            <a:ext cx="416689" cy="370390"/>
+          </a:xfrm>
+          <a:prstGeom prst="ellipse">
+            <a:avLst/>
+          </a:prstGeom>
+          <a:solidFill>
+            <a:schemeClr val="bg1">
+              <a:lumMod val="95000"/>
+            </a:schemeClr>
+          </a:solidFill>
+        </p:spPr>
+        <p:style>
+          <a:lnRef idx="2">
+            <a:schemeClr val="accent1">
+              <a:shade val="50000"/>
+            </a:schemeClr>
+          </a:lnRef>
+          <a:fillRef idx="1">
+            <a:schemeClr val="accent1"/>
+          </a:fillRef>
+          <a:effectRef idx="0">
+            <a:schemeClr val="accent1"/>
+          </a:effectRef>
+          <a:fontRef idx="minor">
+            <a:schemeClr val="lt1"/>
+          </a:fontRef>
+        </p:style>
+        <p:txBody>
+          <a:bodyPr rtlCol="0" anchor="ctr"/>
+          <a:lstStyle/>
+          <a:p>
+            <a:pPr algn="ctr"/>
+            <a:r>
+              <a:rPr lang="en-US" dirty="0">
+                <a:solidFill>
+                  <a:srgbClr val="C00000"/>
+                </a:solidFill>
+              </a:rPr>
+              <a:t>4</a:t>
+            </a:r>
+          </a:p>
+        </p:txBody>
+      </p:sp>
+      <p:cxnSp>
+        <p:nvCxnSpPr>
+          <p:cNvPr id="70" name="Straight Arrow Connector 69">
+            <a:extLst>
+              <a:ext uri="{FF2B5EF4-FFF2-40B4-BE49-F238E27FC236}">
+                <a16:creationId xmlns:a16="http://schemas.microsoft.com/office/drawing/2014/main" id="{D4E01075-2F11-46BD-A55B-DD6D8F9AA149}"/>
+              </a:ext>
+            </a:extLst>
+          </p:cNvPr>
+          <p:cNvCxnSpPr>
+            <a:cxnSpLocks/>
+            <a:stCxn id="69" idx="0"/>
+            <a:endCxn id="31" idx="1"/>
+          </p:cNvCxnSpPr>
+          <p:nvPr/>
+        </p:nvCxnSpPr>
+        <p:spPr>
+          <a:xfrm rot="5400000" flipH="1" flipV="1">
+            <a:off x="2376090" y="2925322"/>
+            <a:ext cx="1830259" cy="1382883"/>
+          </a:xfrm>
+          <a:prstGeom prst="curvedConnector2">
+            <a:avLst/>
+          </a:prstGeom>
+          <a:ln>
+            <a:tailEnd type="triangle"/>
+          </a:ln>
+        </p:spPr>
+        <p:style>
+          <a:lnRef idx="1">
+            <a:schemeClr val="accent1"/>
+          </a:lnRef>
+          <a:fillRef idx="0">
+            <a:schemeClr val="accent1"/>
+          </a:fillRef>
+          <a:effectRef idx="0">
+            <a:schemeClr val="accent1"/>
+          </a:effectRef>
+          <a:fontRef idx="minor">
+            <a:schemeClr val="tx1"/>
+          </a:fontRef>
+        </p:style>
+      </p:cxnSp>
+      <p:sp>
+        <p:nvSpPr>
+          <p:cNvPr id="81" name="Oval 80">
+            <a:extLst>
+              <a:ext uri="{FF2B5EF4-FFF2-40B4-BE49-F238E27FC236}">
+                <a16:creationId xmlns:a16="http://schemas.microsoft.com/office/drawing/2014/main" id="{71584B19-8E1A-4B5A-88E6-4A17DBC705CF}"/>
+              </a:ext>
+            </a:extLst>
+          </p:cNvPr>
+          <p:cNvSpPr/>
+          <p:nvPr/>
+        </p:nvSpPr>
+        <p:spPr>
+          <a:xfrm>
+            <a:off x="4627034" y="6172908"/>
+            <a:ext cx="416689" cy="370390"/>
+          </a:xfrm>
+          <a:prstGeom prst="ellipse">
+            <a:avLst/>
+          </a:prstGeom>
+          <a:solidFill>
+            <a:schemeClr val="bg1">
+              <a:lumMod val="95000"/>
+            </a:schemeClr>
+          </a:solidFill>
+        </p:spPr>
+        <p:style>
+          <a:lnRef idx="2">
+            <a:schemeClr val="accent1">
+              <a:shade val="50000"/>
+            </a:schemeClr>
+          </a:lnRef>
+          <a:fillRef idx="1">
+            <a:schemeClr val="accent1"/>
+          </a:fillRef>
+          <a:effectRef idx="0">
+            <a:schemeClr val="accent1"/>
+          </a:effectRef>
+          <a:fontRef idx="minor">
+            <a:schemeClr val="lt1"/>
+          </a:fontRef>
+        </p:style>
+        <p:txBody>
+          <a:bodyPr rtlCol="0" anchor="ctr"/>
+          <a:lstStyle/>
+          <a:p>
+            <a:pPr algn="ctr"/>
+            <a:r>
+              <a:rPr lang="en-US" dirty="0">
+                <a:solidFill>
+                  <a:srgbClr val="C00000"/>
+                </a:solidFill>
+              </a:rPr>
+              <a:t>8</a:t>
+            </a:r>
+          </a:p>
+        </p:txBody>
+      </p:sp>
+      <p:cxnSp>
+        <p:nvCxnSpPr>
+          <p:cNvPr id="82" name="Straight Arrow Connector 81">
+            <a:extLst>
+              <a:ext uri="{FF2B5EF4-FFF2-40B4-BE49-F238E27FC236}">
+                <a16:creationId xmlns:a16="http://schemas.microsoft.com/office/drawing/2014/main" id="{4ADDA057-14CC-48D1-A7B5-E0D914505124}"/>
+              </a:ext>
+            </a:extLst>
+          </p:cNvPr>
+          <p:cNvCxnSpPr>
+            <a:cxnSpLocks/>
+            <a:stCxn id="81" idx="0"/>
+            <a:endCxn id="28" idx="1"/>
+          </p:cNvCxnSpPr>
+          <p:nvPr/>
+        </p:nvCxnSpPr>
+        <p:spPr>
+          <a:xfrm rot="5400000" flipH="1" flipV="1">
+            <a:off x="4433496" y="5199961"/>
+            <a:ext cx="1374831" cy="571065"/>
+          </a:xfrm>
+          <a:prstGeom prst="curvedConnector2">
+            <a:avLst/>
+          </a:prstGeom>
+          <a:ln>
+            <a:tailEnd type="triangle"/>
+          </a:ln>
+        </p:spPr>
+        <p:style>
+          <a:lnRef idx="1">
+            <a:schemeClr val="accent1"/>
+          </a:lnRef>
+          <a:fillRef idx="0">
+            <a:schemeClr val="accent1"/>
+          </a:fillRef>
+          <a:effectRef idx="0">
+            <a:schemeClr val="accent1"/>
+          </a:effectRef>
+          <a:fontRef idx="minor">
+            <a:schemeClr val="tx1"/>
+          </a:fontRef>
+        </p:style>
+      </p:cxnSp>
     </p:spTree>
     <p:extLst>
       <p:ext uri="{BB962C8B-B14F-4D97-AF65-F5344CB8AC3E}">
-        <p14:creationId xmlns:p14="http://schemas.microsoft.com/office/powerpoint/2010/main" val="248109122"/>
+        <p14:creationId xmlns:p14="http://schemas.microsoft.com/office/powerpoint/2010/main" val="4183380076"/>
       </p:ext>
     </p:extLst>
   </p:cSld>
